--- a/courses/sysprog/slides/lec01-overview.pptx
+++ b/courses/sysprog/slides/lec01-overview.pptx
@@ -5,7 +5,7 @@
     <p:sldMasterId id="2147483648" r:id="rId1"/>
   </p:sldMasterIdLst>
   <p:handoutMasterIdLst>
-    <p:handoutMasterId r:id="rId17"/>
+    <p:handoutMasterId r:id="rId18"/>
   </p:handoutMasterIdLst>
   <p:sldIdLst>
     <p:sldId id="256" r:id="rId2"/>
@@ -13,21 +13,22 @@
     <p:sldId id="302" r:id="rId4"/>
     <p:sldId id="273" r:id="rId5"/>
     <p:sldId id="274" r:id="rId6"/>
-    <p:sldId id="293" r:id="rId7"/>
-    <p:sldId id="304" r:id="rId8"/>
-    <p:sldId id="257" r:id="rId9"/>
-    <p:sldId id="258" r:id="rId10"/>
-    <p:sldId id="265" r:id="rId11"/>
-    <p:sldId id="259" r:id="rId12"/>
-    <p:sldId id="301" r:id="rId13"/>
-    <p:sldId id="270" r:id="rId14"/>
-    <p:sldId id="305" r:id="rId15"/>
-    <p:sldId id="275" r:id="rId16"/>
+    <p:sldId id="306" r:id="rId7"/>
+    <p:sldId id="293" r:id="rId8"/>
+    <p:sldId id="304" r:id="rId9"/>
+    <p:sldId id="257" r:id="rId10"/>
+    <p:sldId id="258" r:id="rId11"/>
+    <p:sldId id="265" r:id="rId12"/>
+    <p:sldId id="259" r:id="rId13"/>
+    <p:sldId id="301" r:id="rId14"/>
+    <p:sldId id="270" r:id="rId15"/>
+    <p:sldId id="305" r:id="rId16"/>
+    <p:sldId id="275" r:id="rId17"/>
   </p:sldIdLst>
   <p:sldSz cx="9144000" cy="6858000" type="screen4x3"/>
   <p:notesSz cx="7099300" cy="10234613"/>
   <p:custDataLst>
-    <p:tags r:id="rId18"/>
+    <p:tags r:id="rId19"/>
   </p:custDataLst>
   <p:defaultTextStyle>
     <a:defPPr>
@@ -5019,6 +5020,182 @@
       </p:grpSpPr>
       <p:sp>
         <p:nvSpPr>
+          <p:cNvPr id="12289" name="Rectangle 2">
+            <a:extLst>
+              <a:ext uri="{FF2B5EF4-FFF2-40B4-BE49-F238E27FC236}">
+                <a16:creationId xmlns:a16="http://schemas.microsoft.com/office/drawing/2014/main" id="{E8B2A50E-500B-441B-B688-BE23C7B104C8}"/>
+              </a:ext>
+            </a:extLst>
+          </p:cNvPr>
+          <p:cNvSpPr>
+            <a:spLocks noGrp="1" noChangeArrowheads="1"/>
+          </p:cNvSpPr>
+          <p:nvPr>
+            <p:ph type="title"/>
+          </p:nvPr>
+        </p:nvSpPr>
+        <p:spPr/>
+        <p:txBody>
+          <a:bodyPr/>
+          <a:lstStyle/>
+          <a:p>
+            <a:r>
+              <a:rPr lang="en-US" altLang="zh-CN"/>
+              <a:t>Course Home Page</a:t>
+            </a:r>
+          </a:p>
+        </p:txBody>
+      </p:sp>
+      <p:sp>
+        <p:nvSpPr>
+          <p:cNvPr id="13315" name="Rectangle 3">
+            <a:extLst>
+              <a:ext uri="{FF2B5EF4-FFF2-40B4-BE49-F238E27FC236}">
+                <a16:creationId xmlns:a16="http://schemas.microsoft.com/office/drawing/2014/main" id="{65BF0875-5CFD-450B-AA46-2B0AFD9F6278}"/>
+              </a:ext>
+            </a:extLst>
+          </p:cNvPr>
+          <p:cNvSpPr>
+            <a:spLocks noGrp="1" noChangeArrowheads="1"/>
+          </p:cNvSpPr>
+          <p:nvPr>
+            <p:ph idx="1"/>
+          </p:nvPr>
+        </p:nvSpPr>
+        <p:spPr/>
+        <p:txBody>
+          <a:bodyPr/>
+          <a:lstStyle/>
+          <a:p>
+            <a:pPr>
+              <a:defRPr/>
+            </a:pPr>
+            <a:r>
+              <a:rPr lang="en-US" altLang="zh-CN" sz="2800" dirty="0"/>
+              <a:t>Home page    </a:t>
+            </a:r>
+          </a:p>
+          <a:p>
+            <a:pPr marL="0" indent="0">
+              <a:buFont typeface="Wingdings" panose="05000000000000000000" pitchFamily="2" charset="2"/>
+              <a:buNone/>
+              <a:defRPr/>
+            </a:pPr>
+            <a:r>
+              <a:rPr lang="en-US" altLang="zh-CN" sz="2400" dirty="0">
+                <a:solidFill>
+                  <a:schemeClr val="hlink"/>
+                </a:solidFill>
+              </a:rPr>
+              <a:t>https://</a:t>
+            </a:r>
+            <a:r>
+              <a:rPr lang="en-US" altLang="zh-CN" sz="2400" dirty="0" err="1">
+                <a:solidFill>
+                  <a:schemeClr val="hlink"/>
+                </a:solidFill>
+              </a:rPr>
+              <a:t>csslab-ustc.github.io</a:t>
+            </a:r>
+            <a:r>
+              <a:rPr lang="en-US" altLang="zh-CN" sz="2400" dirty="0">
+                <a:solidFill>
+                  <a:schemeClr val="hlink"/>
+                </a:solidFill>
+              </a:rPr>
+              <a:t>/courses/</a:t>
+            </a:r>
+            <a:r>
+              <a:rPr lang="en-US" altLang="zh-CN" sz="2400" dirty="0" err="1">
+                <a:solidFill>
+                  <a:schemeClr val="hlink"/>
+                </a:solidFill>
+              </a:rPr>
+              <a:t>sysprog</a:t>
+            </a:r>
+            <a:r>
+              <a:rPr lang="en-US" altLang="zh-CN" sz="2400" dirty="0">
+                <a:solidFill>
+                  <a:schemeClr val="hlink"/>
+                </a:solidFill>
+              </a:rPr>
+              <a:t>/</a:t>
+            </a:r>
+          </a:p>
+          <a:p>
+            <a:pPr lvl="1">
+              <a:defRPr/>
+            </a:pPr>
+            <a:r>
+              <a:rPr lang="en-US" altLang="zh-CN" sz="2400" dirty="0"/>
+              <a:t>Course administrivia</a:t>
+            </a:r>
+          </a:p>
+          <a:p>
+            <a:pPr lvl="1">
+              <a:defRPr/>
+            </a:pPr>
+            <a:r>
+              <a:rPr lang="en-US" altLang="zh-CN" sz="2400" dirty="0"/>
+              <a:t>Lecture notes</a:t>
+            </a:r>
+          </a:p>
+          <a:p>
+            <a:pPr lvl="1">
+              <a:defRPr/>
+            </a:pPr>
+            <a:r>
+              <a:rPr lang="en-US" altLang="zh-CN" sz="2400" dirty="0"/>
+              <a:t>Lab</a:t>
+            </a:r>
+          </a:p>
+          <a:p>
+            <a:pPr lvl="1">
+              <a:defRPr/>
+            </a:pPr>
+            <a:r>
+              <a:rPr lang="en-US" altLang="zh-CN" sz="2400" dirty="0"/>
+              <a:t>Resources</a:t>
+            </a:r>
+          </a:p>
+          <a:p>
+            <a:pPr>
+              <a:defRPr/>
+            </a:pPr>
+            <a:r>
+              <a:rPr lang="en-US" altLang="zh-CN" sz="2800" dirty="0"/>
+              <a:t>Check course home page frequently</a:t>
+            </a:r>
+          </a:p>
+        </p:txBody>
+      </p:sp>
+    </p:spTree>
+  </p:cSld>
+  <p:clrMapOvr>
+    <a:masterClrMapping/>
+  </p:clrMapOvr>
+</p:sld>
+</file>
+
+<file path=ppt/slides/slide11.xml><?xml version="1.0" encoding="utf-8"?>
+<p:sld xmlns:a="http://schemas.openxmlformats.org/drawingml/2006/main" xmlns:r="http://schemas.openxmlformats.org/officeDocument/2006/relationships" xmlns:p="http://schemas.openxmlformats.org/presentationml/2006/main">
+  <p:cSld>
+    <p:spTree>
+      <p:nvGrpSpPr>
+        <p:cNvPr id="1" name=""/>
+        <p:cNvGrpSpPr/>
+        <p:nvPr/>
+      </p:nvGrpSpPr>
+      <p:grpSpPr>
+        <a:xfrm>
+          <a:off x="0" y="0"/>
+          <a:ext cx="0" cy="0"/>
+          <a:chOff x="0" y="0"/>
+          <a:chExt cx="0" cy="0"/>
+        </a:xfrm>
+      </p:grpSpPr>
+      <p:sp>
+        <p:nvSpPr>
           <p:cNvPr id="13313" name="Rectangle 2">
             <a:extLst>
               <a:ext uri="{FF2B5EF4-FFF2-40B4-BE49-F238E27FC236}">
@@ -5072,7 +5249,7 @@
               </a:lnSpc>
             </a:pPr>
             <a:r>
-              <a:rPr lang="en-US" altLang="zh-CN" sz="2400" i="1">
+              <a:rPr lang="en-US" altLang="zh-CN" sz="2400" i="1" dirty="0">
                 <a:solidFill>
                   <a:schemeClr val="folHlink"/>
                 </a:solidFill>
@@ -5080,11 +5257,11 @@
               <a:t>The C Programming Language</a:t>
             </a:r>
             <a:r>
-              <a:rPr lang="en-US" altLang="zh-CN" sz="2400" i="1"/>
+              <a:rPr lang="en-US" altLang="zh-CN" sz="2400" i="1" dirty="0"/>
               <a:t> (Second Edition)</a:t>
             </a:r>
             <a:r>
-              <a:rPr lang="en-US" altLang="zh-CN" sz="2400"/>
+              <a:rPr lang="en-US" altLang="zh-CN" sz="2400" dirty="0"/>
               <a:t> . Kernighan and Ritchie, 1988.</a:t>
             </a:r>
           </a:p>
@@ -5095,7 +5272,7 @@
               </a:lnSpc>
             </a:pPr>
             <a:r>
-              <a:rPr lang="en-US" altLang="zh-CN" sz="2400" i="1">
+              <a:rPr lang="en-US" altLang="zh-CN" sz="2400" i="1" dirty="0">
                 <a:solidFill>
                   <a:srgbClr val="1E3EC0"/>
                 </a:solidFill>
@@ -5103,7 +5280,7 @@
               <a:t>C Interface and Implementation</a:t>
             </a:r>
             <a:r>
-              <a:rPr lang="en-US" altLang="zh-CN" sz="2400"/>
+              <a:rPr lang="en-US" altLang="zh-CN" sz="2400" dirty="0"/>
               <a:t>, 2002.</a:t>
             </a:r>
           </a:p>
@@ -5114,7 +5291,7 @@
               </a:lnSpc>
             </a:pPr>
             <a:r>
-              <a:rPr lang="en-US" altLang="zh-CN" sz="2400" i="1">
+              <a:rPr lang="en-US" altLang="zh-CN" sz="2400" i="1" dirty="0">
                 <a:solidFill>
                   <a:srgbClr val="1E3EC0"/>
                 </a:solidFill>
@@ -5122,8 +5299,16 @@
               <a:t>Unix System Programming</a:t>
             </a:r>
             <a:r>
-              <a:rPr lang="en-US" altLang="zh-CN" sz="2400"/>
-              <a:t>. Rietchard Stevens.</a:t>
+              <a:rPr lang="en-US" altLang="zh-CN" sz="2400" dirty="0"/>
+              <a:t>. </a:t>
+            </a:r>
+            <a:r>
+              <a:rPr lang="en-US" altLang="zh-CN" sz="2400" dirty="0" err="1"/>
+              <a:t>Rietchard</a:t>
+            </a:r>
+            <a:r>
+              <a:rPr lang="en-US" altLang="zh-CN" sz="2400" dirty="0"/>
+              <a:t> Stevens.</a:t>
             </a:r>
           </a:p>
         </p:txBody>
@@ -5217,8 +5402,8 @@
         </p:blipFill>
         <p:spPr bwMode="auto">
           <a:xfrm>
-            <a:off x="3008313" y="3606800"/>
-            <a:ext cx="3403600" cy="3403600"/>
+            <a:off x="3124237" y="3570235"/>
+            <a:ext cx="3287675" cy="3287675"/>
           </a:xfrm>
           <a:prstGeom prst="rect">
             <a:avLst/>
@@ -5316,148 +5501,6 @@
 </p:sld>
 </file>
 
-<file path=ppt/slides/slide11.xml><?xml version="1.0" encoding="utf-8"?>
-<p:sld xmlns:a="http://schemas.openxmlformats.org/drawingml/2006/main" xmlns:r="http://schemas.openxmlformats.org/officeDocument/2006/relationships" xmlns:p="http://schemas.openxmlformats.org/presentationml/2006/main">
-  <p:cSld>
-    <p:spTree>
-      <p:nvGrpSpPr>
-        <p:cNvPr id="1" name=""/>
-        <p:cNvGrpSpPr/>
-        <p:nvPr/>
-      </p:nvGrpSpPr>
-      <p:grpSpPr>
-        <a:xfrm>
-          <a:off x="0" y="0"/>
-          <a:ext cx="0" cy="0"/>
-          <a:chOff x="0" y="0"/>
-          <a:chExt cx="0" cy="0"/>
-        </a:xfrm>
-      </p:grpSpPr>
-      <p:sp>
-        <p:nvSpPr>
-          <p:cNvPr id="14337" name="Rectangle 2">
-            <a:extLst>
-              <a:ext uri="{FF2B5EF4-FFF2-40B4-BE49-F238E27FC236}">
-                <a16:creationId xmlns:a16="http://schemas.microsoft.com/office/drawing/2014/main" id="{A187C3A5-CD48-42D5-A624-D01C18BBB670}"/>
-              </a:ext>
-            </a:extLst>
-          </p:cNvPr>
-          <p:cNvSpPr>
-            <a:spLocks noGrp="1" noChangeArrowheads="1"/>
-          </p:cNvSpPr>
-          <p:nvPr>
-            <p:ph type="title"/>
-          </p:nvPr>
-        </p:nvSpPr>
-        <p:spPr/>
-        <p:txBody>
-          <a:bodyPr/>
-          <a:lstStyle/>
-          <a:p>
-            <a:r>
-              <a:rPr lang="en-US" altLang="zh-CN"/>
-              <a:t>Assignments</a:t>
-            </a:r>
-          </a:p>
-        </p:txBody>
-      </p:sp>
-      <p:sp>
-        <p:nvSpPr>
-          <p:cNvPr id="14338" name="Rectangle 3">
-            <a:extLst>
-              <a:ext uri="{FF2B5EF4-FFF2-40B4-BE49-F238E27FC236}">
-                <a16:creationId xmlns:a16="http://schemas.microsoft.com/office/drawing/2014/main" id="{E9638FEF-01D9-4BF0-A5D6-4599E400F2E1}"/>
-              </a:ext>
-            </a:extLst>
-          </p:cNvPr>
-          <p:cNvSpPr>
-            <a:spLocks noGrp="1" noChangeArrowheads="1"/>
-          </p:cNvSpPr>
-          <p:nvPr>
-            <p:ph idx="1"/>
-          </p:nvPr>
-        </p:nvSpPr>
-        <p:spPr/>
-        <p:txBody>
-          <a:bodyPr/>
-          <a:lstStyle/>
-          <a:p>
-            <a:pPr>
-              <a:lnSpc>
-                <a:spcPct val="90000"/>
-              </a:lnSpc>
-            </a:pPr>
-            <a:r>
-              <a:rPr lang="en-US" altLang="zh-CN"/>
-              <a:t>There are 5 assignments (tentative)</a:t>
-            </a:r>
-          </a:p>
-          <a:p>
-            <a:pPr lvl="1">
-              <a:lnSpc>
-                <a:spcPct val="90000"/>
-              </a:lnSpc>
-            </a:pPr>
-            <a:r>
-              <a:rPr lang="en-US" altLang="zh-CN"/>
-              <a:t>Each consists of some required problems and optional problems (</a:t>
-            </a:r>
-            <a:r>
-              <a:rPr lang="en-US" altLang="zh-CN">
-                <a:solidFill>
-                  <a:schemeClr val="folHlink"/>
-                </a:solidFill>
-              </a:rPr>
-              <a:t>Optional</a:t>
-            </a:r>
-            <a:r>
-              <a:rPr lang="en-US" altLang="zh-CN"/>
-              <a:t>) </a:t>
-            </a:r>
-          </a:p>
-          <a:p>
-            <a:pPr lvl="2">
-              <a:lnSpc>
-                <a:spcPct val="90000"/>
-              </a:lnSpc>
-            </a:pPr>
-            <a:r>
-              <a:rPr lang="en-US" altLang="zh-CN"/>
-              <a:t>Optional assignments are not required, but highly recommended</a:t>
-            </a:r>
-          </a:p>
-          <a:p>
-            <a:pPr lvl="1">
-              <a:lnSpc>
-                <a:spcPct val="90000"/>
-              </a:lnSpc>
-            </a:pPr>
-            <a:r>
-              <a:rPr lang="en-US" altLang="zh-CN"/>
-              <a:t>Solve them independently</a:t>
-            </a:r>
-          </a:p>
-          <a:p>
-            <a:pPr lvl="1">
-              <a:lnSpc>
-                <a:spcPct val="90000"/>
-              </a:lnSpc>
-            </a:pPr>
-            <a:r>
-              <a:rPr lang="en-US" altLang="zh-CN"/>
-              <a:t>Late homework will not be accepted</a:t>
-            </a:r>
-          </a:p>
-        </p:txBody>
-      </p:sp>
-    </p:spTree>
-  </p:cSld>
-  <p:clrMapOvr>
-    <a:masterClrMapping/>
-  </p:clrMapOvr>
-</p:sld>
-</file>
-
 <file path=ppt/slides/slide12.xml><?xml version="1.0" encoding="utf-8"?>
 <p:sld xmlns:a="http://schemas.openxmlformats.org/drawingml/2006/main" xmlns:r="http://schemas.openxmlformats.org/officeDocument/2006/relationships" xmlns:p="http://schemas.openxmlformats.org/presentationml/2006/main">
   <p:cSld>
@@ -5477,10 +5520,10 @@
       </p:grpSpPr>
       <p:sp>
         <p:nvSpPr>
-          <p:cNvPr id="15361" name="Rectangle 2">
-            <a:extLst>
-              <a:ext uri="{FF2B5EF4-FFF2-40B4-BE49-F238E27FC236}">
-                <a16:creationId xmlns:a16="http://schemas.microsoft.com/office/drawing/2014/main" id="{74F3655A-B843-4BE3-B3CC-46201EBF34C8}"/>
+          <p:cNvPr id="14337" name="Rectangle 2">
+            <a:extLst>
+              <a:ext uri="{FF2B5EF4-FFF2-40B4-BE49-F238E27FC236}">
+                <a16:creationId xmlns:a16="http://schemas.microsoft.com/office/drawing/2014/main" id="{A187C3A5-CD48-42D5-A624-D01C18BBB670}"/>
               </a:ext>
             </a:extLst>
           </p:cNvPr>
@@ -5497,18 +5540,18 @@
           <a:lstStyle/>
           <a:p>
             <a:r>
-              <a:rPr lang="en-US" altLang="zh-CN"/>
-              <a:t>Assignments</a:t>
-            </a:r>
-          </a:p>
-        </p:txBody>
-      </p:sp>
-      <p:sp>
-        <p:nvSpPr>
-          <p:cNvPr id="15362" name="Rectangle 3">
-            <a:extLst>
-              <a:ext uri="{FF2B5EF4-FFF2-40B4-BE49-F238E27FC236}">
-                <a16:creationId xmlns:a16="http://schemas.microsoft.com/office/drawing/2014/main" id="{5453F12A-FB9D-45AD-894A-6A2A6D081D62}"/>
+              <a:rPr lang="en-US" altLang="zh-CN" dirty="0"/>
+              <a:t>Labs</a:t>
+            </a:r>
+          </a:p>
+        </p:txBody>
+      </p:sp>
+      <p:sp>
+        <p:nvSpPr>
+          <p:cNvPr id="14338" name="Rectangle 3">
+            <a:extLst>
+              <a:ext uri="{FF2B5EF4-FFF2-40B4-BE49-F238E27FC236}">
+                <a16:creationId xmlns:a16="http://schemas.microsoft.com/office/drawing/2014/main" id="{E9638FEF-01D9-4BF0-A5D6-4599E400F2E1}"/>
               </a:ext>
             </a:extLst>
           </p:cNvPr>
@@ -5524,39 +5567,70 @@
           <a:bodyPr/>
           <a:lstStyle/>
           <a:p>
-            <a:r>
-              <a:rPr lang="en-US" altLang="zh-CN"/>
-              <a:t>Lab0: preparation</a:t>
-            </a:r>
-          </a:p>
-          <a:p>
-            <a:r>
-              <a:rPr lang="en-US" altLang="zh-CN"/>
-              <a:t>Lab1: Shell</a:t>
-            </a:r>
-          </a:p>
-          <a:p>
-            <a:r>
-              <a:rPr lang="en-US" altLang="zh-CN"/>
-              <a:t>Lab2: Mini Wireshark</a:t>
-            </a:r>
-          </a:p>
-          <a:p>
-            <a:r>
-              <a:rPr lang="en-US" altLang="zh-CN"/>
-              <a:t>Lab3: Mini debugger</a:t>
-            </a:r>
-          </a:p>
-          <a:p>
-            <a:r>
-              <a:rPr lang="en-US" altLang="zh-CN"/>
-              <a:t>Lab4: Concurrency</a:t>
-            </a:r>
-          </a:p>
-          <a:p>
-            <a:r>
-              <a:rPr lang="en-US" altLang="zh-CN"/>
-              <a:t>Lab5: Mini Database (Tentative)</a:t>
+            <a:pPr>
+              <a:lnSpc>
+                <a:spcPct val="90000"/>
+              </a:lnSpc>
+            </a:pPr>
+            <a:r>
+              <a:rPr lang="en-US" altLang="zh-CN" dirty="0"/>
+              <a:t>There are 6 labs (tentative)</a:t>
+            </a:r>
+          </a:p>
+          <a:p>
+            <a:pPr lvl="1">
+              <a:lnSpc>
+                <a:spcPct val="90000"/>
+              </a:lnSpc>
+            </a:pPr>
+            <a:r>
+              <a:rPr lang="en-US" altLang="zh-CN" dirty="0"/>
+              <a:t>Each consists of some required problems and optional problems (</a:t>
+            </a:r>
+            <a:r>
+              <a:rPr lang="en-US" altLang="zh-CN" dirty="0">
+                <a:solidFill>
+                  <a:schemeClr val="folHlink"/>
+                </a:solidFill>
+              </a:rPr>
+              <a:t>Optional</a:t>
+            </a:r>
+            <a:r>
+              <a:rPr lang="en-US" altLang="zh-CN" dirty="0"/>
+              <a:t>) </a:t>
+            </a:r>
+          </a:p>
+          <a:p>
+            <a:pPr lvl="2">
+              <a:lnSpc>
+                <a:spcPct val="90000"/>
+              </a:lnSpc>
+            </a:pPr>
+            <a:r>
+              <a:rPr lang="en-US" altLang="zh-CN" dirty="0"/>
+              <a:t>Optional assignments are not required, but highly recommended</a:t>
+            </a:r>
+          </a:p>
+          <a:p>
+            <a:pPr lvl="1">
+              <a:lnSpc>
+                <a:spcPct val="90000"/>
+              </a:lnSpc>
+            </a:pPr>
+            <a:r>
+              <a:rPr lang="en-US" altLang="zh-CN" dirty="0"/>
+              <a:t>Solve them independently</a:t>
+            </a:r>
+          </a:p>
+          <a:p>
+            <a:pPr lvl="1">
+              <a:lnSpc>
+                <a:spcPct val="90000"/>
+              </a:lnSpc>
+            </a:pPr>
+            <a:r>
+              <a:rPr lang="en-US" altLang="zh-CN" dirty="0"/>
+              <a:t>Late homework will not be accepted</a:t>
             </a:r>
           </a:p>
         </p:txBody>
@@ -5588,10 +5662,10 @@
       </p:grpSpPr>
       <p:sp>
         <p:nvSpPr>
-          <p:cNvPr id="16385" name="Rectangle 2">
-            <a:extLst>
-              <a:ext uri="{FF2B5EF4-FFF2-40B4-BE49-F238E27FC236}">
-                <a16:creationId xmlns:a16="http://schemas.microsoft.com/office/drawing/2014/main" id="{685D764E-536F-4360-80C0-701850D6716E}"/>
+          <p:cNvPr id="15361" name="Rectangle 2">
+            <a:extLst>
+              <a:ext uri="{FF2B5EF4-FFF2-40B4-BE49-F238E27FC236}">
+                <a16:creationId xmlns:a16="http://schemas.microsoft.com/office/drawing/2014/main" id="{74F3655A-B843-4BE3-B3CC-46201EBF34C8}"/>
               </a:ext>
             </a:extLst>
           </p:cNvPr>
@@ -5608,70 +5682,633 @@
           <a:lstStyle/>
           <a:p>
             <a:r>
-              <a:rPr lang="en-US" altLang="zh-CN"/>
-              <a:t>Test and Evaluation</a:t>
-            </a:r>
-          </a:p>
-        </p:txBody>
-      </p:sp>
-      <p:sp>
-        <p:nvSpPr>
-          <p:cNvPr id="16386" name="Rectangle 3">
-            <a:extLst>
-              <a:ext uri="{FF2B5EF4-FFF2-40B4-BE49-F238E27FC236}">
-                <a16:creationId xmlns:a16="http://schemas.microsoft.com/office/drawing/2014/main" id="{696B8984-004B-492C-B129-7E1347487DF9}"/>
-              </a:ext>
-            </a:extLst>
-          </p:cNvPr>
-          <p:cNvSpPr>
-            <a:spLocks noGrp="1" noChangeArrowheads="1"/>
-          </p:cNvSpPr>
-          <p:nvPr>
-            <p:ph idx="1"/>
-          </p:nvPr>
-        </p:nvSpPr>
-        <p:spPr/>
-        <p:txBody>
-          <a:bodyPr/>
-          <a:lstStyle/>
-          <a:p>
-            <a:r>
-              <a:rPr lang="en-US" altLang="zh-CN"/>
-              <a:t>No test :-)</a:t>
-            </a:r>
-          </a:p>
-          <a:p>
-            <a:r>
-              <a:rPr lang="en-US" altLang="zh-CN"/>
-              <a:t>Evaluated</a:t>
-            </a:r>
-          </a:p>
-          <a:p>
-            <a:pPr lvl="1"/>
-            <a:r>
-              <a:rPr lang="en-US" altLang="zh-CN"/>
-              <a:t>80%: assignments</a:t>
-            </a:r>
-          </a:p>
-          <a:p>
-            <a:pPr lvl="1"/>
-            <a:r>
-              <a:rPr lang="en-US" altLang="zh-CN"/>
-              <a:t>20%: class attending</a:t>
-            </a:r>
-          </a:p>
-          <a:p>
-            <a:pPr lvl="1"/>
-            <a:endParaRPr lang="en-US" altLang="zh-CN"/>
-          </a:p>
-          <a:p>
-            <a:r>
-              <a:rPr lang="en-US" altLang="zh-CN"/>
-              <a:t>No one should fail!</a:t>
-            </a:r>
-          </a:p>
-        </p:txBody>
-      </p:sp>
+              <a:rPr lang="en-US" altLang="zh-CN" dirty="0"/>
+              <a:t>Labs</a:t>
+            </a:r>
+          </a:p>
+        </p:txBody>
+      </p:sp>
+      <p:graphicFrame>
+        <p:nvGraphicFramePr>
+          <p:cNvPr id="3" name="表格 2">
+            <a:extLst>
+              <a:ext uri="{FF2B5EF4-FFF2-40B4-BE49-F238E27FC236}">
+                <a16:creationId xmlns:a16="http://schemas.microsoft.com/office/drawing/2014/main" id="{5DFC392B-7E31-FA8A-42FF-89702620D045}"/>
+              </a:ext>
+            </a:extLst>
+          </p:cNvPr>
+          <p:cNvGraphicFramePr>
+            <a:graphicFrameLocks noGrp="1"/>
+          </p:cNvGraphicFramePr>
+          <p:nvPr>
+            <p:extLst>
+              <p:ext uri="{D42A27DB-BD31-4B8C-83A1-F6EECF244321}">
+                <p14:modId xmlns:p14="http://schemas.microsoft.com/office/powerpoint/2010/main" val="1053896599"/>
+              </p:ext>
+            </p:extLst>
+          </p:nvPr>
+        </p:nvGraphicFramePr>
+        <p:xfrm>
+          <a:off x="1295486" y="1964483"/>
+          <a:ext cx="7086414" cy="3200400"/>
+        </p:xfrm>
+        <a:graphic>
+          <a:graphicData uri="http://schemas.openxmlformats.org/drawingml/2006/table">
+            <a:tbl>
+              <a:tblPr firstRow="1" bandRow="1">
+                <a:tableStyleId>{5C22544A-7EE6-4342-B048-85BDC9FD1C3A}</a:tableStyleId>
+              </a:tblPr>
+              <a:tblGrid>
+                <a:gridCol w="838178">
+                  <a:extLst>
+                    <a:ext uri="{9D8B030D-6E8A-4147-A177-3AD203B41FA5}">
+                      <a16:colId xmlns:a16="http://schemas.microsoft.com/office/drawing/2014/main" val="544781208"/>
+                    </a:ext>
+                  </a:extLst>
+                </a:gridCol>
+                <a:gridCol w="1981148">
+                  <a:extLst>
+                    <a:ext uri="{9D8B030D-6E8A-4147-A177-3AD203B41FA5}">
+                      <a16:colId xmlns:a16="http://schemas.microsoft.com/office/drawing/2014/main" val="1227129264"/>
+                    </a:ext>
+                  </a:extLst>
+                </a:gridCol>
+                <a:gridCol w="4267088">
+                  <a:extLst>
+                    <a:ext uri="{9D8B030D-6E8A-4147-A177-3AD203B41FA5}">
+                      <a16:colId xmlns:a16="http://schemas.microsoft.com/office/drawing/2014/main" val="2551182120"/>
+                    </a:ext>
+                  </a:extLst>
+                </a:gridCol>
+              </a:tblGrid>
+              <a:tr h="365522">
+                <a:tc>
+                  <a:txBody>
+                    <a:bodyPr/>
+                    <a:lstStyle/>
+                    <a:p>
+                      <a:r>
+                        <a:rPr lang="en-US" altLang="zh-CN" dirty="0"/>
+                        <a:t>No.</a:t>
+                      </a:r>
+                      <a:endParaRPr lang="zh-CN" altLang="en-US" dirty="0"/>
+                    </a:p>
+                  </a:txBody>
+                  <a:tcPr/>
+                </a:tc>
+                <a:tc>
+                  <a:txBody>
+                    <a:bodyPr/>
+                    <a:lstStyle/>
+                    <a:p>
+                      <a:r>
+                        <a:rPr lang="en-US" altLang="zh-CN" dirty="0"/>
+                        <a:t>Topic</a:t>
+                      </a:r>
+                      <a:endParaRPr lang="zh-CN" altLang="en-US" dirty="0"/>
+                    </a:p>
+                  </a:txBody>
+                  <a:tcPr/>
+                </a:tc>
+                <a:tc>
+                  <a:txBody>
+                    <a:bodyPr/>
+                    <a:lstStyle/>
+                    <a:p>
+                      <a:r>
+                        <a:rPr lang="en-US" altLang="zh-CN" dirty="0"/>
+                        <a:t>Goal</a:t>
+                      </a:r>
+                      <a:endParaRPr lang="zh-CN" altLang="en-US" dirty="0"/>
+                    </a:p>
+                  </a:txBody>
+                  <a:tcPr/>
+                </a:tc>
+                <a:extLst>
+                  <a:ext uri="{0D108BD9-81ED-4DB2-BD59-A6C34878D82A}">
+                    <a16:rowId xmlns:a16="http://schemas.microsoft.com/office/drawing/2014/main" val="260785617"/>
+                  </a:ext>
+                </a:extLst>
+              </a:tr>
+              <a:tr h="365522">
+                <a:tc>
+                  <a:txBody>
+                    <a:bodyPr/>
+                    <a:lstStyle/>
+                    <a:p>
+                      <a:r>
+                        <a:rPr lang="en-US" altLang="zh-CN" dirty="0"/>
+                        <a:t>0</a:t>
+                      </a:r>
+                      <a:endParaRPr lang="zh-CN" altLang="en-US" dirty="0"/>
+                    </a:p>
+                  </a:txBody>
+                  <a:tcPr/>
+                </a:tc>
+                <a:tc>
+                  <a:txBody>
+                    <a:bodyPr/>
+                    <a:lstStyle/>
+                    <a:p>
+                      <a:r>
+                        <a:rPr lang="en-US" altLang="zh-CN" dirty="0"/>
+                        <a:t>Software</a:t>
+                      </a:r>
+                      <a:r>
+                        <a:rPr lang="zh-CN" altLang="en-US" dirty="0"/>
+                        <a:t> </a:t>
+                      </a:r>
+                      <a:r>
+                        <a:rPr lang="en-US" altLang="zh-CN" dirty="0"/>
+                        <a:t>setup</a:t>
+                      </a:r>
+                      <a:endParaRPr lang="zh-CN" altLang="en-US" dirty="0"/>
+                    </a:p>
+                  </a:txBody>
+                  <a:tcPr/>
+                </a:tc>
+                <a:tc>
+                  <a:txBody>
+                    <a:bodyPr/>
+                    <a:lstStyle/>
+                    <a:p>
+                      <a:r>
+                        <a:rPr lang="en-US" altLang="zh-CN" dirty="0"/>
+                        <a:t>Install</a:t>
+                      </a:r>
+                      <a:r>
+                        <a:rPr lang="zh-CN" altLang="en-US" dirty="0"/>
+                        <a:t> </a:t>
+                      </a:r>
+                      <a:r>
+                        <a:rPr lang="en-US" altLang="zh-CN" dirty="0"/>
+                        <a:t>the</a:t>
+                      </a:r>
+                      <a:r>
+                        <a:rPr lang="zh-CN" altLang="en-US" dirty="0"/>
+                        <a:t> </a:t>
+                      </a:r>
+                      <a:r>
+                        <a:rPr lang="en-US" altLang="zh-CN" dirty="0"/>
+                        <a:t>required</a:t>
+                      </a:r>
+                      <a:r>
+                        <a:rPr lang="zh-CN" altLang="en-US" dirty="0"/>
+                        <a:t> </a:t>
+                      </a:r>
+                      <a:r>
+                        <a:rPr lang="en-US" altLang="zh-CN" dirty="0"/>
+                        <a:t>tools</a:t>
+                      </a:r>
+                      <a:endParaRPr lang="zh-CN" altLang="en-US" dirty="0"/>
+                    </a:p>
+                  </a:txBody>
+                  <a:tcPr/>
+                </a:tc>
+                <a:extLst>
+                  <a:ext uri="{0D108BD9-81ED-4DB2-BD59-A6C34878D82A}">
+                    <a16:rowId xmlns:a16="http://schemas.microsoft.com/office/drawing/2014/main" val="2555563112"/>
+                  </a:ext>
+                </a:extLst>
+              </a:tr>
+              <a:tr h="365522">
+                <a:tc>
+                  <a:txBody>
+                    <a:bodyPr/>
+                    <a:lstStyle/>
+                    <a:p>
+                      <a:r>
+                        <a:rPr lang="en-US" altLang="zh-CN" dirty="0"/>
+                        <a:t>1</a:t>
+                      </a:r>
+                      <a:endParaRPr lang="zh-CN" altLang="en-US" dirty="0"/>
+                    </a:p>
+                  </a:txBody>
+                  <a:tcPr/>
+                </a:tc>
+                <a:tc>
+                  <a:txBody>
+                    <a:bodyPr/>
+                    <a:lstStyle/>
+                    <a:p>
+                      <a:r>
+                        <a:rPr lang="en-US" altLang="zh-CN" dirty="0"/>
+                        <a:t>Compiler</a:t>
+                      </a:r>
+                      <a:endParaRPr lang="zh-CN" altLang="en-US" dirty="0"/>
+                    </a:p>
+                  </a:txBody>
+                  <a:tcPr/>
+                </a:tc>
+                <a:tc>
+                  <a:txBody>
+                    <a:bodyPr/>
+                    <a:lstStyle/>
+                    <a:p>
+                      <a:r>
+                        <a:rPr lang="en-US" altLang="zh-CN" dirty="0"/>
+                        <a:t>Learn</a:t>
+                      </a:r>
+                      <a:r>
+                        <a:rPr lang="zh-CN" altLang="en-US" dirty="0"/>
+                        <a:t> </a:t>
+                      </a:r>
+                      <a:r>
+                        <a:rPr lang="en-US" altLang="zh-CN" dirty="0"/>
+                        <a:t>how</a:t>
+                      </a:r>
+                      <a:r>
+                        <a:rPr lang="zh-CN" altLang="en-US" dirty="0"/>
+                        <a:t> </a:t>
+                      </a:r>
+                      <a:r>
+                        <a:rPr lang="en-US" altLang="zh-CN" dirty="0"/>
+                        <a:t>the</a:t>
+                      </a:r>
+                      <a:r>
+                        <a:rPr lang="zh-CN" altLang="en-US" dirty="0"/>
+                        <a:t> </a:t>
+                      </a:r>
+                      <a:r>
+                        <a:rPr lang="en-US" altLang="zh-CN" dirty="0"/>
+                        <a:t>tools</a:t>
+                      </a:r>
+                      <a:r>
+                        <a:rPr lang="zh-CN" altLang="en-US" dirty="0"/>
+                        <a:t> </a:t>
+                      </a:r>
+                      <a:r>
+                        <a:rPr lang="en-US" altLang="zh-CN" dirty="0"/>
+                        <a:t>work</a:t>
+                      </a:r>
+                      <a:endParaRPr lang="zh-CN" altLang="en-US" dirty="0"/>
+                    </a:p>
+                  </a:txBody>
+                  <a:tcPr/>
+                </a:tc>
+                <a:extLst>
+                  <a:ext uri="{0D108BD9-81ED-4DB2-BD59-A6C34878D82A}">
+                    <a16:rowId xmlns:a16="http://schemas.microsoft.com/office/drawing/2014/main" val="1908994510"/>
+                  </a:ext>
+                </a:extLst>
+              </a:tr>
+              <a:tr h="365522">
+                <a:tc>
+                  <a:txBody>
+                    <a:bodyPr/>
+                    <a:lstStyle/>
+                    <a:p>
+                      <a:r>
+                        <a:rPr lang="en-US" altLang="zh-CN" dirty="0"/>
+                        <a:t>2</a:t>
+                      </a:r>
+                      <a:endParaRPr lang="zh-CN" altLang="en-US" dirty="0"/>
+                    </a:p>
+                  </a:txBody>
+                  <a:tcPr/>
+                </a:tc>
+                <a:tc>
+                  <a:txBody>
+                    <a:bodyPr/>
+                    <a:lstStyle/>
+                    <a:p>
+                      <a:r>
+                        <a:rPr lang="en-US" altLang="zh-CN" dirty="0"/>
+                        <a:t>Shell</a:t>
+                      </a:r>
+                      <a:endParaRPr lang="zh-CN" altLang="en-US" dirty="0"/>
+                    </a:p>
+                  </a:txBody>
+                  <a:tcPr/>
+                </a:tc>
+                <a:tc>
+                  <a:txBody>
+                    <a:bodyPr/>
+                    <a:lstStyle/>
+                    <a:p>
+                      <a:r>
+                        <a:rPr lang="en-US" altLang="zh-CN" dirty="0"/>
+                        <a:t>Learn</a:t>
+                      </a:r>
+                      <a:r>
+                        <a:rPr lang="zh-CN" altLang="en-US" dirty="0"/>
+                        <a:t> </a:t>
+                      </a:r>
+                      <a:r>
+                        <a:rPr lang="en-US" altLang="zh-CN" dirty="0"/>
+                        <a:t>multi-process</a:t>
+                      </a:r>
+                      <a:r>
+                        <a:rPr lang="zh-CN" altLang="en-US" dirty="0"/>
+                        <a:t> </a:t>
+                      </a:r>
+                      <a:r>
+                        <a:rPr lang="en-US" altLang="zh-CN" dirty="0"/>
+                        <a:t>programming</a:t>
+                      </a:r>
+                      <a:endParaRPr lang="zh-CN" altLang="en-US" dirty="0"/>
+                    </a:p>
+                  </a:txBody>
+                  <a:tcPr/>
+                </a:tc>
+                <a:extLst>
+                  <a:ext uri="{0D108BD9-81ED-4DB2-BD59-A6C34878D82A}">
+                    <a16:rowId xmlns:a16="http://schemas.microsoft.com/office/drawing/2014/main" val="1982193636"/>
+                  </a:ext>
+                </a:extLst>
+              </a:tr>
+              <a:tr h="365522">
+                <a:tc>
+                  <a:txBody>
+                    <a:bodyPr/>
+                    <a:lstStyle/>
+                    <a:p>
+                      <a:r>
+                        <a:rPr lang="en-US" altLang="zh-CN" dirty="0"/>
+                        <a:t>3</a:t>
+                      </a:r>
+                      <a:endParaRPr lang="zh-CN" altLang="en-US" dirty="0"/>
+                    </a:p>
+                  </a:txBody>
+                  <a:tcPr/>
+                </a:tc>
+                <a:tc>
+                  <a:txBody>
+                    <a:bodyPr/>
+                    <a:lstStyle/>
+                    <a:p>
+                      <a:r>
+                        <a:rPr lang="en-US" altLang="zh-CN" dirty="0"/>
+                        <a:t>Concurrent</a:t>
+                      </a:r>
+                    </a:p>
+                    <a:p>
+                      <a:r>
+                        <a:rPr lang="en-US" altLang="zh-CN" dirty="0"/>
+                        <a:t>Objects</a:t>
+                      </a:r>
+                      <a:endParaRPr lang="zh-CN" altLang="en-US" dirty="0"/>
+                    </a:p>
+                  </a:txBody>
+                  <a:tcPr/>
+                </a:tc>
+                <a:tc>
+                  <a:txBody>
+                    <a:bodyPr/>
+                    <a:lstStyle/>
+                    <a:p>
+                      <a:r>
+                        <a:rPr lang="en-US" altLang="zh-CN" dirty="0"/>
+                        <a:t>Learn</a:t>
+                      </a:r>
+                      <a:r>
+                        <a:rPr lang="zh-CN" altLang="en-US" dirty="0"/>
+                        <a:t> </a:t>
+                      </a:r>
+                      <a:r>
+                        <a:rPr lang="en-US" altLang="zh-CN" dirty="0"/>
+                        <a:t>multi-threaded</a:t>
+                      </a:r>
+                      <a:r>
+                        <a:rPr lang="zh-CN" altLang="en-US" dirty="0"/>
+                        <a:t> </a:t>
+                      </a:r>
+                      <a:r>
+                        <a:rPr lang="en-US" altLang="zh-CN" dirty="0"/>
+                        <a:t>concurrent</a:t>
+                      </a:r>
+                      <a:r>
+                        <a:rPr lang="zh-CN" altLang="en-US" dirty="0"/>
+                        <a:t> </a:t>
+                      </a:r>
+                      <a:r>
+                        <a:rPr lang="en-US" altLang="zh-CN" dirty="0"/>
+                        <a:t>programming</a:t>
+                      </a:r>
+                      <a:endParaRPr lang="zh-CN" altLang="en-US" dirty="0"/>
+                    </a:p>
+                  </a:txBody>
+                  <a:tcPr/>
+                </a:tc>
+                <a:extLst>
+                  <a:ext uri="{0D108BD9-81ED-4DB2-BD59-A6C34878D82A}">
+                    <a16:rowId xmlns:a16="http://schemas.microsoft.com/office/drawing/2014/main" val="2555049514"/>
+                  </a:ext>
+                </a:extLst>
+              </a:tr>
+              <a:tr h="365522">
+                <a:tc>
+                  <a:txBody>
+                    <a:bodyPr/>
+                    <a:lstStyle/>
+                    <a:p>
+                      <a:r>
+                        <a:rPr lang="en-US" altLang="zh-CN" dirty="0"/>
+                        <a:t>4</a:t>
+                      </a:r>
+                      <a:endParaRPr lang="zh-CN" altLang="en-US" dirty="0"/>
+                    </a:p>
+                  </a:txBody>
+                  <a:tcPr/>
+                </a:tc>
+                <a:tc>
+                  <a:txBody>
+                    <a:bodyPr/>
+                    <a:lstStyle/>
+                    <a:p>
+                      <a:r>
+                        <a:rPr lang="en-US" altLang="zh-CN" dirty="0"/>
+                        <a:t>Network</a:t>
+                      </a:r>
+                      <a:r>
+                        <a:rPr lang="zh-CN" altLang="en-US" dirty="0"/>
+                        <a:t> </a:t>
+                      </a:r>
+                      <a:r>
+                        <a:rPr lang="en-US" altLang="zh-CN" dirty="0"/>
+                        <a:t>sniffer</a:t>
+                      </a:r>
+                      <a:endParaRPr lang="zh-CN" altLang="en-US" dirty="0"/>
+                    </a:p>
+                  </a:txBody>
+                  <a:tcPr/>
+                </a:tc>
+                <a:tc>
+                  <a:txBody>
+                    <a:bodyPr/>
+                    <a:lstStyle/>
+                    <a:p>
+                      <a:r>
+                        <a:rPr lang="en-US" altLang="zh-CN" dirty="0"/>
+                        <a:t>Learn</a:t>
+                      </a:r>
+                      <a:r>
+                        <a:rPr lang="zh-CN" altLang="en-US" dirty="0"/>
+                        <a:t> </a:t>
+                      </a:r>
+                      <a:r>
+                        <a:rPr lang="en-US" altLang="zh-CN" dirty="0"/>
+                        <a:t>socket</a:t>
+                      </a:r>
+                      <a:r>
+                        <a:rPr lang="zh-CN" altLang="en-US" dirty="0"/>
+                        <a:t> </a:t>
+                      </a:r>
+                      <a:r>
+                        <a:rPr lang="en-US" altLang="zh-CN" dirty="0"/>
+                        <a:t>programming</a:t>
+                      </a:r>
+                      <a:endParaRPr lang="zh-CN" altLang="en-US" dirty="0"/>
+                    </a:p>
+                  </a:txBody>
+                  <a:tcPr/>
+                </a:tc>
+                <a:extLst>
+                  <a:ext uri="{0D108BD9-81ED-4DB2-BD59-A6C34878D82A}">
+                    <a16:rowId xmlns:a16="http://schemas.microsoft.com/office/drawing/2014/main" val="3044948876"/>
+                  </a:ext>
+                </a:extLst>
+              </a:tr>
+              <a:tr h="365522">
+                <a:tc>
+                  <a:txBody>
+                    <a:bodyPr/>
+                    <a:lstStyle/>
+                    <a:p>
+                      <a:r>
+                        <a:rPr lang="en-US" altLang="zh-CN" dirty="0"/>
+                        <a:t>5</a:t>
+                      </a:r>
+                      <a:endParaRPr lang="zh-CN" altLang="en-US" dirty="0"/>
+                    </a:p>
+                  </a:txBody>
+                  <a:tcPr/>
+                </a:tc>
+                <a:tc>
+                  <a:txBody>
+                    <a:bodyPr/>
+                    <a:lstStyle/>
+                    <a:p>
+                      <a:r>
+                        <a:rPr lang="en-US" altLang="zh-CN" dirty="0"/>
+                        <a:t>MapReduce</a:t>
+                      </a:r>
+                      <a:endParaRPr lang="zh-CN" altLang="en-US" dirty="0"/>
+                    </a:p>
+                  </a:txBody>
+                  <a:tcPr/>
+                </a:tc>
+                <a:tc>
+                  <a:txBody>
+                    <a:bodyPr/>
+                    <a:lstStyle/>
+                    <a:p>
+                      <a:r>
+                        <a:rPr lang="en-US" altLang="zh-CN" dirty="0"/>
+                        <a:t>Learn</a:t>
+                      </a:r>
+                      <a:r>
+                        <a:rPr lang="zh-CN" altLang="en-US" dirty="0"/>
+                        <a:t> </a:t>
+                      </a:r>
+                      <a:r>
+                        <a:rPr lang="en-US" altLang="zh-CN" dirty="0"/>
+                        <a:t>distributed</a:t>
+                      </a:r>
+                      <a:r>
+                        <a:rPr lang="zh-CN" altLang="en-US" dirty="0"/>
+                        <a:t> </a:t>
+                      </a:r>
+                      <a:r>
+                        <a:rPr lang="en-US" altLang="zh-CN" dirty="0"/>
+                        <a:t>programming</a:t>
+                      </a:r>
+                    </a:p>
+                  </a:txBody>
+                  <a:tcPr/>
+                </a:tc>
+                <a:extLst>
+                  <a:ext uri="{0D108BD9-81ED-4DB2-BD59-A6C34878D82A}">
+                    <a16:rowId xmlns:a16="http://schemas.microsoft.com/office/drawing/2014/main" val="718194398"/>
+                  </a:ext>
+                </a:extLst>
+              </a:tr>
+              <a:tr h="365522">
+                <a:tc>
+                  <a:txBody>
+                    <a:bodyPr/>
+                    <a:lstStyle/>
+                    <a:p>
+                      <a:r>
+                        <a:rPr lang="en-US" altLang="zh-CN" dirty="0"/>
+                        <a:t>6</a:t>
+                      </a:r>
+                      <a:endParaRPr lang="zh-CN" altLang="en-US" dirty="0"/>
+                    </a:p>
+                  </a:txBody>
+                  <a:tcPr/>
+                </a:tc>
+                <a:tc>
+                  <a:txBody>
+                    <a:bodyPr/>
+                    <a:lstStyle/>
+                    <a:p>
+                      <a:r>
+                        <a:rPr lang="en-US" altLang="zh-CN" dirty="0"/>
+                        <a:t>Debugger</a:t>
+                      </a:r>
+                      <a:endParaRPr lang="zh-CN" altLang="en-US" dirty="0"/>
+                    </a:p>
+                  </a:txBody>
+                  <a:tcPr/>
+                </a:tc>
+                <a:tc>
+                  <a:txBody>
+                    <a:bodyPr/>
+                    <a:lstStyle/>
+                    <a:p>
+                      <a:r>
+                        <a:rPr lang="en-US" altLang="zh-CN" dirty="0"/>
+                        <a:t>Learn</a:t>
+                      </a:r>
+                      <a:r>
+                        <a:rPr lang="zh-CN" altLang="en-US" dirty="0"/>
+                        <a:t> </a:t>
+                      </a:r>
+                      <a:r>
+                        <a:rPr lang="en-US" altLang="zh-CN" dirty="0"/>
+                        <a:t>software</a:t>
+                      </a:r>
+                      <a:r>
+                        <a:rPr lang="zh-CN" altLang="en-US" dirty="0"/>
+                        <a:t> </a:t>
+                      </a:r>
+                      <a:r>
+                        <a:rPr lang="en-US" altLang="zh-CN" dirty="0"/>
+                        <a:t>security</a:t>
+                      </a:r>
+                      <a:r>
+                        <a:rPr lang="zh-CN" altLang="en-US" dirty="0"/>
+                        <a:t> </a:t>
+                      </a:r>
+                      <a:r>
+                        <a:rPr lang="en-US" altLang="zh-CN" dirty="0"/>
+                        <a:t>analysis</a:t>
+                      </a:r>
+                    </a:p>
+                  </a:txBody>
+                  <a:tcPr/>
+                </a:tc>
+                <a:extLst>
+                  <a:ext uri="{0D108BD9-81ED-4DB2-BD59-A6C34878D82A}">
+                    <a16:rowId xmlns:a16="http://schemas.microsoft.com/office/drawing/2014/main" val="3553080216"/>
+                  </a:ext>
+                </a:extLst>
+              </a:tr>
+            </a:tbl>
+          </a:graphicData>
+        </a:graphic>
+      </p:graphicFrame>
     </p:spTree>
   </p:cSld>
   <p:clrMapOvr>
@@ -5699,10 +6336,10 @@
       </p:grpSpPr>
       <p:sp>
         <p:nvSpPr>
-          <p:cNvPr id="17409" name="Rectangle 2">
-            <a:extLst>
-              <a:ext uri="{FF2B5EF4-FFF2-40B4-BE49-F238E27FC236}">
-                <a16:creationId xmlns:a16="http://schemas.microsoft.com/office/drawing/2014/main" id="{FC264A7D-618A-4A39-B965-928C050600E8}"/>
+          <p:cNvPr id="16385" name="Rectangle 2">
+            <a:extLst>
+              <a:ext uri="{FF2B5EF4-FFF2-40B4-BE49-F238E27FC236}">
+                <a16:creationId xmlns:a16="http://schemas.microsoft.com/office/drawing/2014/main" id="{685D764E-536F-4360-80C0-701850D6716E}"/>
               </a:ext>
             </a:extLst>
           </p:cNvPr>
@@ -5720,17 +6357,17 @@
           <a:p>
             <a:r>
               <a:rPr lang="en-US" altLang="zh-CN"/>
-              <a:t>Learning by Doing</a:t>
-            </a:r>
-          </a:p>
-        </p:txBody>
-      </p:sp>
-      <p:sp>
-        <p:nvSpPr>
-          <p:cNvPr id="17410" name="Rectangle 3">
-            <a:extLst>
-              <a:ext uri="{FF2B5EF4-FFF2-40B4-BE49-F238E27FC236}">
-                <a16:creationId xmlns:a16="http://schemas.microsoft.com/office/drawing/2014/main" id="{2B12A0FD-E8A3-4C5C-8FAC-ED4EC1E6588B}"/>
+              <a:t>Test and Evaluation</a:t>
+            </a:r>
+          </a:p>
+        </p:txBody>
+      </p:sp>
+      <p:sp>
+        <p:nvSpPr>
+          <p:cNvPr id="16386" name="Rectangle 3">
+            <a:extLst>
+              <a:ext uri="{FF2B5EF4-FFF2-40B4-BE49-F238E27FC236}">
+                <a16:creationId xmlns:a16="http://schemas.microsoft.com/office/drawing/2014/main" id="{696B8984-004B-492C-B129-7E1347487DF9}"/>
               </a:ext>
             </a:extLst>
           </p:cNvPr>
@@ -5747,8 +6384,38 @@
           <a:lstStyle/>
           <a:p>
             <a:r>
-              <a:rPr lang="en-US" altLang="zh-CN"/>
-              <a:t>Get your hand dirty</a:t>
+              <a:rPr lang="en-US" altLang="zh-CN" dirty="0"/>
+              <a:t>No test :-)</a:t>
+            </a:r>
+          </a:p>
+          <a:p>
+            <a:r>
+              <a:rPr lang="en-US" altLang="zh-CN" dirty="0"/>
+              <a:t>Scores</a:t>
+            </a:r>
+          </a:p>
+          <a:p>
+            <a:pPr lvl="1"/>
+            <a:r>
+              <a:rPr lang="en-US" altLang="zh-CN" dirty="0"/>
+              <a:t>80%: labs</a:t>
+            </a:r>
+          </a:p>
+          <a:p>
+            <a:pPr lvl="1"/>
+            <a:r>
+              <a:rPr lang="en-US" altLang="zh-CN" dirty="0"/>
+              <a:t>20%: class attending</a:t>
+            </a:r>
+          </a:p>
+          <a:p>
+            <a:pPr lvl="1"/>
+            <a:endParaRPr lang="en-US" altLang="zh-CN" dirty="0"/>
+          </a:p>
+          <a:p>
+            <a:r>
+              <a:rPr lang="en-US" altLang="zh-CN" dirty="0"/>
+              <a:t>No one should fail!</a:t>
             </a:r>
           </a:p>
         </p:txBody>
@@ -5762,6 +6429,87 @@
 </file>
 
 <file path=ppt/slides/slide15.xml><?xml version="1.0" encoding="utf-8"?>
+<p:sld xmlns:a="http://schemas.openxmlformats.org/drawingml/2006/main" xmlns:r="http://schemas.openxmlformats.org/officeDocument/2006/relationships" xmlns:p="http://schemas.openxmlformats.org/presentationml/2006/main">
+  <p:cSld>
+    <p:spTree>
+      <p:nvGrpSpPr>
+        <p:cNvPr id="1" name=""/>
+        <p:cNvGrpSpPr/>
+        <p:nvPr/>
+      </p:nvGrpSpPr>
+      <p:grpSpPr>
+        <a:xfrm>
+          <a:off x="0" y="0"/>
+          <a:ext cx="0" cy="0"/>
+          <a:chOff x="0" y="0"/>
+          <a:chExt cx="0" cy="0"/>
+        </a:xfrm>
+      </p:grpSpPr>
+      <p:sp>
+        <p:nvSpPr>
+          <p:cNvPr id="17409" name="Rectangle 2">
+            <a:extLst>
+              <a:ext uri="{FF2B5EF4-FFF2-40B4-BE49-F238E27FC236}">
+                <a16:creationId xmlns:a16="http://schemas.microsoft.com/office/drawing/2014/main" id="{FC264A7D-618A-4A39-B965-928C050600E8}"/>
+              </a:ext>
+            </a:extLst>
+          </p:cNvPr>
+          <p:cNvSpPr>
+            <a:spLocks noGrp="1" noChangeArrowheads="1"/>
+          </p:cNvSpPr>
+          <p:nvPr>
+            <p:ph type="title"/>
+          </p:nvPr>
+        </p:nvSpPr>
+        <p:spPr/>
+        <p:txBody>
+          <a:bodyPr/>
+          <a:lstStyle/>
+          <a:p>
+            <a:r>
+              <a:rPr lang="en-US" altLang="zh-CN"/>
+              <a:t>Learning by Doing</a:t>
+            </a:r>
+          </a:p>
+        </p:txBody>
+      </p:sp>
+      <p:sp>
+        <p:nvSpPr>
+          <p:cNvPr id="17410" name="Rectangle 3">
+            <a:extLst>
+              <a:ext uri="{FF2B5EF4-FFF2-40B4-BE49-F238E27FC236}">
+                <a16:creationId xmlns:a16="http://schemas.microsoft.com/office/drawing/2014/main" id="{2B12A0FD-E8A3-4C5C-8FAC-ED4EC1E6588B}"/>
+              </a:ext>
+            </a:extLst>
+          </p:cNvPr>
+          <p:cNvSpPr>
+            <a:spLocks noGrp="1" noChangeArrowheads="1"/>
+          </p:cNvSpPr>
+          <p:nvPr>
+            <p:ph idx="1"/>
+          </p:nvPr>
+        </p:nvSpPr>
+        <p:spPr/>
+        <p:txBody>
+          <a:bodyPr/>
+          <a:lstStyle/>
+          <a:p>
+            <a:r>
+              <a:rPr lang="en-US" altLang="zh-CN"/>
+              <a:t>Get your hands dirty</a:t>
+            </a:r>
+          </a:p>
+        </p:txBody>
+      </p:sp>
+    </p:spTree>
+  </p:cSld>
+  <p:clrMapOvr>
+    <a:masterClrMapping/>
+  </p:clrMapOvr>
+</p:sld>
+</file>
+
+<file path=ppt/slides/slide16.xml><?xml version="1.0" encoding="utf-8"?>
 <p:sld xmlns:a="http://schemas.openxmlformats.org/drawingml/2006/main" xmlns:r="http://schemas.openxmlformats.org/officeDocument/2006/relationships" xmlns:p="http://schemas.openxmlformats.org/presentationml/2006/main">
   <p:cSld>
     <p:spTree>
@@ -6309,6 +7057,68 @@
           </a:extLst>
         </p:spPr>
       </p:pic>
+      <p:sp>
+        <p:nvSpPr>
+          <p:cNvPr id="2" name="文本框 1">
+            <a:extLst>
+              <a:ext uri="{FF2B5EF4-FFF2-40B4-BE49-F238E27FC236}">
+                <a16:creationId xmlns:a16="http://schemas.microsoft.com/office/drawing/2014/main" id="{A9192F7C-7CEA-4475-5D1B-B437DEA019C8}"/>
+              </a:ext>
+            </a:extLst>
+          </p:cNvPr>
+          <p:cNvSpPr txBox="1"/>
+          <p:nvPr/>
+        </p:nvSpPr>
+        <p:spPr>
+          <a:xfrm>
+            <a:off x="6095960" y="5257752"/>
+            <a:ext cx="1904950" cy="923330"/>
+          </a:xfrm>
+          <a:prstGeom prst="rect">
+            <a:avLst/>
+          </a:prstGeom>
+          <a:noFill/>
+        </p:spPr>
+        <p:txBody>
+          <a:bodyPr wrap="square" rtlCol="0">
+            <a:spAutoFit/>
+          </a:bodyPr>
+          <a:lstStyle/>
+          <a:p>
+            <a:r>
+              <a:rPr kumimoji="1" lang="en-US" altLang="zh-CN" dirty="0"/>
+              <a:t>ACM</a:t>
+            </a:r>
+            <a:r>
+              <a:rPr kumimoji="1" lang="zh-CN" altLang="en-US" dirty="0"/>
+              <a:t>图灵奖得主：</a:t>
+            </a:r>
+            <a:endParaRPr kumimoji="1" lang="en-US" altLang="zh-CN" dirty="0"/>
+          </a:p>
+          <a:p>
+            <a:r>
+              <a:rPr kumimoji="1" lang="zh-CN" altLang="en-US" dirty="0"/>
+              <a:t>“在</a:t>
+            </a:r>
+            <a:r>
+              <a:rPr kumimoji="1" lang="en-US" altLang="zh-CN" dirty="0"/>
+              <a:t>C</a:t>
+            </a:r>
+            <a:r>
+              <a:rPr kumimoji="1" lang="zh-CN" altLang="en-US" dirty="0"/>
+              <a:t>和</a:t>
+            </a:r>
+            <a:r>
+              <a:rPr kumimoji="1" lang="en-US" altLang="zh-CN" dirty="0"/>
+              <a:t>Unix</a:t>
+            </a:r>
+            <a:r>
+              <a:rPr kumimoji="1" lang="zh-CN" altLang="en-US" dirty="0"/>
+              <a:t>上的贡献”</a:t>
+            </a:r>
+          </a:p>
+        </p:txBody>
+      </p:sp>
     </p:spTree>
   </p:cSld>
   <p:clrMapOvr>
@@ -6389,19 +7199,19 @@
               </a:lnSpc>
             </a:pPr>
             <a:r>
-              <a:rPr lang="en-US" altLang="zh-CN" sz="2800"/>
+              <a:rPr lang="en-US" altLang="zh-CN" sz="2800" dirty="0"/>
               <a:t>C is a </a:t>
             </a:r>
             <a:r>
-              <a:rPr lang="en-US" altLang="zh-CN" sz="2800">
+              <a:rPr lang="en-US" altLang="zh-CN" sz="2800" dirty="0">
                 <a:solidFill>
-                  <a:srgbClr val="1E3EC0"/>
+                  <a:srgbClr val="0432FF"/>
                 </a:solidFill>
               </a:rPr>
               <a:t>system</a:t>
             </a:r>
             <a:r>
-              <a:rPr lang="en-US" altLang="zh-CN" sz="2800"/>
+              <a:rPr lang="en-US" altLang="zh-CN" sz="2800" dirty="0"/>
               <a:t> programming language</a:t>
             </a:r>
           </a:p>
@@ -6412,7 +7222,7 @@
               </a:lnSpc>
             </a:pPr>
             <a:r>
-              <a:rPr lang="en-US" altLang="zh-CN" sz="2400"/>
+              <a:rPr lang="en-US" altLang="zh-CN" sz="2400" dirty="0"/>
               <a:t>Originally invented to write Unix</a:t>
             </a:r>
           </a:p>
@@ -6423,8 +7233,8 @@
               </a:lnSpc>
             </a:pPr>
             <a:r>
-              <a:rPr lang="en-US" altLang="zh-CN" sz="2000"/>
-              <a:t>and later Linux and Windows</a:t>
+              <a:rPr lang="en-US" altLang="zh-CN" sz="2000" dirty="0"/>
+              <a:t>later Linux and Windows</a:t>
             </a:r>
           </a:p>
           <a:p>
@@ -6434,8 +7244,8 @@
               </a:lnSpc>
             </a:pPr>
             <a:r>
-              <a:rPr lang="en-US" altLang="zh-CN" sz="2400"/>
-              <a:t>Data types and control structures close to most machines</a:t>
+              <a:rPr lang="en-US" altLang="zh-CN" sz="2400" dirty="0"/>
+              <a:t>Data types and control structures close to low-level machines</a:t>
             </a:r>
           </a:p>
           <a:p>
@@ -6445,8 +7255,8 @@
               </a:lnSpc>
             </a:pPr>
             <a:r>
-              <a:rPr lang="en-US" altLang="zh-CN" sz="2000"/>
-              <a:t>So you know system deeper, you can program better</a:t>
+              <a:rPr lang="en-US" altLang="zh-CN" sz="2000" dirty="0"/>
+              <a:t>So you know system deeper, you program better</a:t>
             </a:r>
           </a:p>
           <a:p>
@@ -6456,7 +7266,7 @@
               </a:lnSpc>
             </a:pPr>
             <a:r>
-              <a:rPr lang="en-US" altLang="zh-CN" sz="2800"/>
+              <a:rPr lang="en-US" altLang="zh-CN" sz="2800" dirty="0"/>
               <a:t>Pros and cons:</a:t>
             </a:r>
           </a:p>
@@ -6467,7 +7277,7 @@
               </a:lnSpc>
             </a:pPr>
             <a:r>
-              <a:rPr lang="en-US" altLang="zh-CN" sz="2400"/>
+              <a:rPr lang="en-US" altLang="zh-CN" sz="2400" dirty="0"/>
               <a:t>Can do whatever you want: flexible and powerful</a:t>
             </a:r>
           </a:p>
@@ -6478,7 +7288,7 @@
               </a:lnSpc>
             </a:pPr>
             <a:r>
-              <a:rPr lang="en-US" altLang="zh-CN" sz="2400"/>
+              <a:rPr lang="en-US" altLang="zh-CN" sz="2400" dirty="0"/>
               <a:t>Can do whatever you do NOT want: shoot yourself in the foot</a:t>
             </a:r>
           </a:p>
@@ -6559,82 +7369,106 @@
           <a:lstStyle/>
           <a:p>
             <a:r>
-              <a:rPr lang="en-US" altLang="zh-CN"/>
-              <a:t>Modular C programming:</a:t>
+              <a:rPr lang="en-US" altLang="zh-CN" dirty="0"/>
+              <a:t>System</a:t>
+            </a:r>
+            <a:r>
+              <a:rPr lang="zh-CN" altLang="en-US" dirty="0"/>
+              <a:t> </a:t>
+            </a:r>
+            <a:r>
+              <a:rPr lang="en-US" altLang="zh-CN" dirty="0"/>
+              <a:t>programming</a:t>
+            </a:r>
+            <a:r>
+              <a:rPr lang="zh-CN" altLang="en-US" dirty="0"/>
+              <a:t> </a:t>
+            </a:r>
+            <a:r>
+              <a:rPr lang="en-US" altLang="zh-CN" dirty="0"/>
+              <a:t>in</a:t>
+            </a:r>
+            <a:r>
+              <a:rPr lang="zh-CN" altLang="en-US" dirty="0"/>
+              <a:t> </a:t>
+            </a:r>
+            <a:r>
+              <a:rPr lang="en-US" altLang="zh-CN" dirty="0"/>
+              <a:t>C:</a:t>
             </a:r>
           </a:p>
           <a:p>
             <a:pPr lvl="1"/>
             <a:r>
-              <a:rPr lang="en-US" altLang="zh-CN"/>
+              <a:rPr lang="en-US" altLang="zh-CN" dirty="0"/>
               <a:t>C is the most widely-used </a:t>
             </a:r>
             <a:r>
-              <a:rPr lang="en-US" altLang="zh-CN">
+              <a:rPr lang="en-US" altLang="zh-CN" dirty="0">
                 <a:solidFill>
-                  <a:srgbClr val="1E3EC0"/>
+                  <a:srgbClr val="0432FF"/>
                 </a:solidFill>
               </a:rPr>
               <a:t>system</a:t>
             </a:r>
             <a:r>
-              <a:rPr lang="en-US" altLang="zh-CN"/>
+              <a:rPr lang="en-US" altLang="zh-CN" dirty="0"/>
               <a:t> language</a:t>
             </a:r>
           </a:p>
           <a:p>
             <a:pPr lvl="2"/>
             <a:r>
-              <a:rPr lang="en-US" altLang="zh-CN"/>
+              <a:rPr lang="en-US" altLang="zh-CN" dirty="0"/>
               <a:t>OS kernels, network stack, compiler, DB, </a:t>
             </a:r>
             <a:r>
-              <a:rPr lang="en-US" altLang="zh-CN">
+              <a:rPr lang="en-US" altLang="zh-CN" dirty="0">
                 <a:latin typeface="Arial" panose="020B0604020202020204" pitchFamily="34" charset="0"/>
               </a:rPr>
               <a:t>…</a:t>
             </a:r>
-            <a:endParaRPr lang="en-US" altLang="zh-CN"/>
+            <a:endParaRPr lang="en-US" altLang="zh-CN" dirty="0"/>
           </a:p>
           <a:p>
             <a:pPr lvl="1"/>
             <a:r>
-              <a:rPr lang="en-US" altLang="zh-CN"/>
+              <a:rPr lang="en-US" altLang="zh-CN" dirty="0"/>
               <a:t>C is low-level</a:t>
             </a:r>
           </a:p>
           <a:p>
             <a:pPr lvl="2"/>
             <a:r>
-              <a:rPr lang="en-US" altLang="zh-CN"/>
+              <a:rPr lang="en-US" altLang="zh-CN" dirty="0"/>
               <a:t>Device driver, embedded (real-time) system, </a:t>
             </a:r>
             <a:r>
-              <a:rPr lang="en-US" altLang="zh-CN">
+              <a:rPr lang="en-US" altLang="zh-CN" dirty="0">
                 <a:latin typeface="Arial" panose="020B0604020202020204" pitchFamily="34" charset="0"/>
               </a:rPr>
               <a:t>…</a:t>
             </a:r>
-            <a:endParaRPr lang="en-US" altLang="zh-CN"/>
+            <a:endParaRPr lang="en-US" altLang="zh-CN" dirty="0"/>
           </a:p>
           <a:p>
             <a:pPr lvl="2"/>
             <a:r>
-              <a:rPr lang="en-US" altLang="zh-CN"/>
+              <a:rPr lang="en-US" altLang="zh-CN" dirty="0"/>
               <a:t>Closely related with architectures</a:t>
             </a:r>
           </a:p>
           <a:p>
             <a:pPr lvl="1"/>
             <a:r>
-              <a:rPr lang="en-US" altLang="zh-CN"/>
+              <a:rPr lang="en-US" altLang="zh-CN" dirty="0"/>
               <a:t>Motivating ideas for other languages</a:t>
             </a:r>
           </a:p>
           <a:p>
             <a:pPr lvl="2"/>
             <a:r>
-              <a:rPr lang="en-US" altLang="zh-CN"/>
+              <a:rPr lang="en-US" altLang="zh-CN" dirty="0"/>
               <a:t>C++/Java/C# etc.</a:t>
             </a:r>
           </a:p>
@@ -6786,10 +7620,10 @@
       </p:grpSpPr>
       <p:sp>
         <p:nvSpPr>
-          <p:cNvPr id="9217" name="Rectangle 2">
-            <a:extLst>
-              <a:ext uri="{FF2B5EF4-FFF2-40B4-BE49-F238E27FC236}">
-                <a16:creationId xmlns:a16="http://schemas.microsoft.com/office/drawing/2014/main" id="{7CE04673-9FCD-4CF3-9D2B-2D8682FDDA40}"/>
+          <p:cNvPr id="8193" name="Rectangle 2">
+            <a:extLst>
+              <a:ext uri="{FF2B5EF4-FFF2-40B4-BE49-F238E27FC236}">
+                <a16:creationId xmlns:a16="http://schemas.microsoft.com/office/drawing/2014/main" id="{D40B5474-0671-46EE-BBFB-0B3F25C34E51}"/>
               </a:ext>
             </a:extLst>
           </p:cNvPr>
@@ -6806,112 +7640,706 @@
           <a:lstStyle/>
           <a:p>
             <a:r>
-              <a:rPr lang="en-US" altLang="zh-CN"/>
-              <a:t>Goal of this course</a:t>
-            </a:r>
-          </a:p>
-        </p:txBody>
-      </p:sp>
-      <p:sp>
-        <p:nvSpPr>
-          <p:cNvPr id="9218" name="Rectangle 3">
-            <a:extLst>
-              <a:ext uri="{FF2B5EF4-FFF2-40B4-BE49-F238E27FC236}">
-                <a16:creationId xmlns:a16="http://schemas.microsoft.com/office/drawing/2014/main" id="{800286C6-E207-4C97-8E83-A40BFF217980}"/>
-              </a:ext>
-            </a:extLst>
-          </p:cNvPr>
-          <p:cNvSpPr>
-            <a:spLocks noGrp="1" noChangeArrowheads="1"/>
-          </p:cNvSpPr>
-          <p:nvPr>
-            <p:ph idx="1"/>
-          </p:nvPr>
-        </p:nvSpPr>
-        <p:spPr/>
-        <p:txBody>
-          <a:bodyPr/>
+              <a:rPr lang="en-US" altLang="zh-CN" dirty="0"/>
+              <a:t>Course</a:t>
+            </a:r>
+            <a:r>
+              <a:rPr lang="zh-CN" altLang="en-US" dirty="0"/>
+              <a:t> </a:t>
+            </a:r>
+            <a:r>
+              <a:rPr lang="en-US" altLang="zh-CN" dirty="0"/>
+              <a:t>Topics</a:t>
+            </a:r>
+          </a:p>
+        </p:txBody>
+      </p:sp>
+      <p:sp>
+        <p:nvSpPr>
+          <p:cNvPr id="3" name="矩形 2">
+            <a:extLst>
+              <a:ext uri="{FF2B5EF4-FFF2-40B4-BE49-F238E27FC236}">
+                <a16:creationId xmlns:a16="http://schemas.microsoft.com/office/drawing/2014/main" id="{31594CE0-9FE6-6DE3-3B44-E55724F52AD8}"/>
+              </a:ext>
+            </a:extLst>
+          </p:cNvPr>
+          <p:cNvSpPr/>
+          <p:nvPr/>
+        </p:nvSpPr>
+        <p:spPr>
+          <a:xfrm>
+            <a:off x="152516" y="2286030"/>
+            <a:ext cx="1219168" cy="1142970"/>
+          </a:xfrm>
+          <a:prstGeom prst="rect">
+            <a:avLst/>
+          </a:prstGeom>
+        </p:spPr>
+        <p:style>
+          <a:lnRef idx="2">
+            <a:schemeClr val="accent1">
+              <a:shade val="15000"/>
+            </a:schemeClr>
+          </a:lnRef>
+          <a:fillRef idx="1">
+            <a:schemeClr val="accent1"/>
+          </a:fillRef>
+          <a:effectRef idx="0">
+            <a:schemeClr val="accent1"/>
+          </a:effectRef>
+          <a:fontRef idx="minor">
+            <a:schemeClr val="lt1"/>
+          </a:fontRef>
+        </p:style>
+        <p:txBody>
+          <a:bodyPr rtlCol="0" anchor="ctr"/>
           <a:lstStyle/>
           <a:p>
-            <a:pPr>
-              <a:lnSpc>
-                <a:spcPct val="90000"/>
-              </a:lnSpc>
-            </a:pPr>
-            <a:r>
-              <a:rPr lang="en-US" altLang="zh-CN"/>
-              <a:t>Solid C knowledge:</a:t>
-            </a:r>
-          </a:p>
-          <a:p>
-            <a:pPr lvl="1">
-              <a:lnSpc>
-                <a:spcPct val="90000"/>
-              </a:lnSpc>
-            </a:pPr>
-            <a:r>
-              <a:rPr lang="en-US" altLang="zh-CN"/>
-              <a:t>C and data structures are crucial for CS</a:t>
-            </a:r>
-          </a:p>
-          <a:p>
-            <a:pPr lvl="1">
-              <a:lnSpc>
-                <a:spcPct val="90000"/>
-              </a:lnSpc>
-            </a:pPr>
-            <a:r>
-              <a:rPr lang="en-US" altLang="zh-CN"/>
-              <a:t>Foundations for later computer courses</a:t>
-            </a:r>
-          </a:p>
-          <a:p>
-            <a:pPr>
-              <a:lnSpc>
-                <a:spcPct val="90000"/>
-              </a:lnSpc>
-            </a:pPr>
-            <a:r>
-              <a:rPr lang="en-US" altLang="zh-CN"/>
-              <a:t>Familiarize you with computational thinking</a:t>
-            </a:r>
-          </a:p>
-          <a:p>
-            <a:pPr lvl="1">
-              <a:lnSpc>
-                <a:spcPct val="90000"/>
-              </a:lnSpc>
-            </a:pPr>
-            <a:r>
-              <a:rPr lang="en-US" altLang="zh-CN"/>
-              <a:t>e.g.: abstraction (ADT), recursion</a:t>
-            </a:r>
-          </a:p>
-          <a:p>
-            <a:pPr>
-              <a:lnSpc>
-                <a:spcPct val="90000"/>
-              </a:lnSpc>
-            </a:pPr>
-            <a:r>
-              <a:rPr lang="en-US" altLang="zh-CN"/>
-              <a:t>System programming skills</a:t>
-            </a:r>
-          </a:p>
-          <a:p>
-            <a:pPr lvl="1">
-              <a:lnSpc>
-                <a:spcPct val="90000"/>
-              </a:lnSpc>
-            </a:pPr>
-            <a:r>
-              <a:rPr lang="en-US" altLang="zh-CN"/>
-              <a:t>Be experienced system programmers</a:t>
-            </a:r>
+            <a:r>
+              <a:rPr kumimoji="1" lang="en-US" altLang="zh-CN" dirty="0"/>
+              <a:t>50-60:</a:t>
+            </a:r>
+          </a:p>
+          <a:p>
+            <a:r>
+              <a:rPr kumimoji="1" lang="en-US" altLang="zh-CN" dirty="0"/>
+              <a:t>Programming</a:t>
+            </a:r>
+            <a:r>
+              <a:rPr kumimoji="1" lang="zh-CN" altLang="en-US" dirty="0"/>
+              <a:t> </a:t>
+            </a:r>
+            <a:r>
+              <a:rPr kumimoji="1" lang="en-US" altLang="zh-CN" dirty="0"/>
+              <a:t>languages</a:t>
+            </a:r>
+          </a:p>
+        </p:txBody>
+      </p:sp>
+      <p:sp>
+        <p:nvSpPr>
+          <p:cNvPr id="8" name="文本框 7">
+            <a:extLst>
+              <a:ext uri="{FF2B5EF4-FFF2-40B4-BE49-F238E27FC236}">
+                <a16:creationId xmlns:a16="http://schemas.microsoft.com/office/drawing/2014/main" id="{A74779A4-0A79-2F3A-744A-C4E38F6E4A4F}"/>
+              </a:ext>
+            </a:extLst>
+          </p:cNvPr>
+          <p:cNvSpPr txBox="1"/>
+          <p:nvPr/>
+        </p:nvSpPr>
+        <p:spPr>
+          <a:xfrm>
+            <a:off x="228714" y="3581396"/>
+            <a:ext cx="1371564" cy="2031325"/>
+          </a:xfrm>
+          <a:prstGeom prst="rect">
+            <a:avLst/>
+          </a:prstGeom>
+          <a:noFill/>
+        </p:spPr>
+        <p:txBody>
+          <a:bodyPr wrap="square" rtlCol="0">
+            <a:spAutoFit/>
+          </a:bodyPr>
+          <a:lstStyle/>
+          <a:p>
+            <a:r>
+              <a:rPr kumimoji="1" lang="en-US" altLang="zh-CN" dirty="0"/>
+              <a:t>Topics:</a:t>
+            </a:r>
+          </a:p>
+          <a:p>
+            <a:r>
+              <a:rPr kumimoji="1" lang="en-US" altLang="zh-CN" dirty="0"/>
+              <a:t>language</a:t>
+            </a:r>
+            <a:r>
+              <a:rPr kumimoji="1" lang="zh-CN" altLang="en-US" dirty="0"/>
+              <a:t> </a:t>
+            </a:r>
+            <a:r>
+              <a:rPr kumimoji="1" lang="en-US" altLang="zh-CN" dirty="0"/>
+              <a:t>tools</a:t>
+            </a:r>
+            <a:r>
+              <a:rPr kumimoji="1" lang="zh-CN" altLang="en-US" dirty="0">
+                <a:sym typeface="Wingdings" pitchFamily="2" charset="2"/>
+              </a:rPr>
+              <a:t> </a:t>
+            </a:r>
+            <a:r>
+              <a:rPr kumimoji="1" lang="en-US" altLang="zh-CN" dirty="0">
+                <a:sym typeface="Wingdings" pitchFamily="2" charset="2"/>
+              </a:rPr>
+              <a:t>(compiler,</a:t>
+            </a:r>
+            <a:r>
+              <a:rPr kumimoji="1" lang="zh-CN" altLang="en-US" dirty="0">
+                <a:sym typeface="Wingdings" pitchFamily="2" charset="2"/>
+              </a:rPr>
+              <a:t> </a:t>
+            </a:r>
+            <a:r>
+              <a:rPr kumimoji="1" lang="en-US" altLang="zh-CN" dirty="0">
+                <a:sym typeface="Wingdings" pitchFamily="2" charset="2"/>
+              </a:rPr>
+              <a:t>assemblers,</a:t>
+            </a:r>
+            <a:r>
+              <a:rPr kumimoji="1" lang="zh-CN" altLang="en-US" dirty="0">
+                <a:sym typeface="Wingdings" pitchFamily="2" charset="2"/>
+              </a:rPr>
+              <a:t> </a:t>
+            </a:r>
+            <a:r>
+              <a:rPr kumimoji="1" lang="en-US" altLang="zh-CN" dirty="0">
+                <a:sym typeface="Wingdings" pitchFamily="2" charset="2"/>
+              </a:rPr>
+              <a:t>linkers,</a:t>
+            </a:r>
+            <a:r>
+              <a:rPr kumimoji="1" lang="zh-CN" altLang="en-US" dirty="0">
+                <a:sym typeface="Wingdings" pitchFamily="2" charset="2"/>
+              </a:rPr>
+              <a:t> </a:t>
+            </a:r>
+            <a:r>
+              <a:rPr kumimoji="1" lang="en-US" altLang="zh-CN" dirty="0">
+                <a:sym typeface="Wingdings" pitchFamily="2" charset="2"/>
+              </a:rPr>
+              <a:t>loaders)</a:t>
+            </a:r>
+            <a:endParaRPr kumimoji="1" lang="zh-CN" altLang="en-US" dirty="0"/>
+          </a:p>
+        </p:txBody>
+      </p:sp>
+      <p:sp>
+        <p:nvSpPr>
+          <p:cNvPr id="9" name="文本框 8">
+            <a:extLst>
+              <a:ext uri="{FF2B5EF4-FFF2-40B4-BE49-F238E27FC236}">
+                <a16:creationId xmlns:a16="http://schemas.microsoft.com/office/drawing/2014/main" id="{532AF738-4C8A-6647-6800-672D6970B6BB}"/>
+              </a:ext>
+            </a:extLst>
+          </p:cNvPr>
+          <p:cNvSpPr txBox="1"/>
+          <p:nvPr/>
+        </p:nvSpPr>
+        <p:spPr>
+          <a:xfrm>
+            <a:off x="1447882" y="3581396"/>
+            <a:ext cx="1371564" cy="923330"/>
+          </a:xfrm>
+          <a:prstGeom prst="rect">
+            <a:avLst/>
+          </a:prstGeom>
+          <a:noFill/>
+        </p:spPr>
+        <p:txBody>
+          <a:bodyPr wrap="square" rtlCol="0">
+            <a:spAutoFit/>
+          </a:bodyPr>
+          <a:lstStyle/>
+          <a:p>
+            <a:r>
+              <a:rPr kumimoji="1" lang="en-US" altLang="zh-CN" dirty="0"/>
+              <a:t>Topics:</a:t>
+            </a:r>
+          </a:p>
+          <a:p>
+            <a:r>
+              <a:rPr kumimoji="1" lang="en-US" altLang="zh-CN" dirty="0"/>
+              <a:t>multi-process</a:t>
+            </a:r>
+          </a:p>
+        </p:txBody>
+      </p:sp>
+      <p:sp>
+        <p:nvSpPr>
+          <p:cNvPr id="10" name="文本框 9">
+            <a:extLst>
+              <a:ext uri="{FF2B5EF4-FFF2-40B4-BE49-F238E27FC236}">
+                <a16:creationId xmlns:a16="http://schemas.microsoft.com/office/drawing/2014/main" id="{F983506B-C269-06EA-60C9-76439A5C9DEF}"/>
+              </a:ext>
+            </a:extLst>
+          </p:cNvPr>
+          <p:cNvSpPr txBox="1"/>
+          <p:nvPr/>
+        </p:nvSpPr>
+        <p:spPr>
+          <a:xfrm>
+            <a:off x="2819446" y="3581396"/>
+            <a:ext cx="1371564" cy="1200329"/>
+          </a:xfrm>
+          <a:prstGeom prst="rect">
+            <a:avLst/>
+          </a:prstGeom>
+          <a:noFill/>
+        </p:spPr>
+        <p:txBody>
+          <a:bodyPr wrap="square" rtlCol="0">
+            <a:spAutoFit/>
+          </a:bodyPr>
+          <a:lstStyle/>
+          <a:p>
+            <a:r>
+              <a:rPr kumimoji="1" lang="en-US" altLang="zh-CN" dirty="0"/>
+              <a:t>Topics:</a:t>
+            </a:r>
+          </a:p>
+          <a:p>
+            <a:r>
+              <a:rPr kumimoji="1" lang="en-US" altLang="zh-CN" dirty="0"/>
+              <a:t>Networking</a:t>
+            </a:r>
+            <a:r>
+              <a:rPr kumimoji="1" lang="zh-CN" altLang="en-US" dirty="0"/>
+              <a:t> </a:t>
+            </a:r>
+            <a:r>
+              <a:rPr kumimoji="1" lang="en-US" altLang="zh-CN" dirty="0"/>
+              <a:t>programming</a:t>
+            </a:r>
+          </a:p>
+        </p:txBody>
+      </p:sp>
+      <p:sp>
+        <p:nvSpPr>
+          <p:cNvPr id="11" name="矩形 10">
+            <a:extLst>
+              <a:ext uri="{FF2B5EF4-FFF2-40B4-BE49-F238E27FC236}">
+                <a16:creationId xmlns:a16="http://schemas.microsoft.com/office/drawing/2014/main" id="{09425ADE-E4D1-52BD-44A6-0A62485C9B3B}"/>
+              </a:ext>
+            </a:extLst>
+          </p:cNvPr>
+          <p:cNvSpPr/>
+          <p:nvPr/>
+        </p:nvSpPr>
+        <p:spPr>
+          <a:xfrm>
+            <a:off x="1524080" y="2286030"/>
+            <a:ext cx="1219168" cy="1142970"/>
+          </a:xfrm>
+          <a:prstGeom prst="rect">
+            <a:avLst/>
+          </a:prstGeom>
+        </p:spPr>
+        <p:style>
+          <a:lnRef idx="2">
+            <a:schemeClr val="accent1">
+              <a:shade val="15000"/>
+            </a:schemeClr>
+          </a:lnRef>
+          <a:fillRef idx="1">
+            <a:schemeClr val="accent1"/>
+          </a:fillRef>
+          <a:effectRef idx="0">
+            <a:schemeClr val="accent1"/>
+          </a:effectRef>
+          <a:fontRef idx="minor">
+            <a:schemeClr val="lt1"/>
+          </a:fontRef>
+        </p:style>
+        <p:txBody>
+          <a:bodyPr rtlCol="0" anchor="ctr"/>
+          <a:lstStyle/>
+          <a:p>
+            <a:r>
+              <a:rPr kumimoji="1" lang="en-US" altLang="zh-CN" dirty="0"/>
+              <a:t>60-70:</a:t>
+            </a:r>
+          </a:p>
+          <a:p>
+            <a:r>
+              <a:rPr kumimoji="1" lang="en-US" altLang="zh-CN" dirty="0"/>
+              <a:t>Uni-processor</a:t>
+            </a:r>
+          </a:p>
+        </p:txBody>
+      </p:sp>
+      <p:sp>
+        <p:nvSpPr>
+          <p:cNvPr id="12" name="矩形 11">
+            <a:extLst>
+              <a:ext uri="{FF2B5EF4-FFF2-40B4-BE49-F238E27FC236}">
+                <a16:creationId xmlns:a16="http://schemas.microsoft.com/office/drawing/2014/main" id="{21E86887-248B-5572-36BA-08AFA3B3B442}"/>
+              </a:ext>
+            </a:extLst>
+          </p:cNvPr>
+          <p:cNvSpPr/>
+          <p:nvPr/>
+        </p:nvSpPr>
+        <p:spPr>
+          <a:xfrm>
+            <a:off x="2895644" y="2286030"/>
+            <a:ext cx="1219168" cy="1142970"/>
+          </a:xfrm>
+          <a:prstGeom prst="rect">
+            <a:avLst/>
+          </a:prstGeom>
+        </p:spPr>
+        <p:style>
+          <a:lnRef idx="2">
+            <a:schemeClr val="accent1">
+              <a:shade val="15000"/>
+            </a:schemeClr>
+          </a:lnRef>
+          <a:fillRef idx="1">
+            <a:schemeClr val="accent1"/>
+          </a:fillRef>
+          <a:effectRef idx="0">
+            <a:schemeClr val="accent1"/>
+          </a:effectRef>
+          <a:fontRef idx="minor">
+            <a:schemeClr val="lt1"/>
+          </a:fontRef>
+        </p:style>
+        <p:txBody>
+          <a:bodyPr rtlCol="0" anchor="ctr"/>
+          <a:lstStyle/>
+          <a:p>
+            <a:r>
+              <a:rPr kumimoji="1" lang="en-US" altLang="zh-CN" dirty="0"/>
+              <a:t>70-80:</a:t>
+            </a:r>
+          </a:p>
+          <a:p>
+            <a:r>
+              <a:rPr kumimoji="1" lang="en-US" altLang="zh-CN" dirty="0"/>
+              <a:t>Networking</a:t>
+            </a:r>
+          </a:p>
+        </p:txBody>
+      </p:sp>
+      <p:sp>
+        <p:nvSpPr>
+          <p:cNvPr id="13" name="矩形 12">
+            <a:extLst>
+              <a:ext uri="{FF2B5EF4-FFF2-40B4-BE49-F238E27FC236}">
+                <a16:creationId xmlns:a16="http://schemas.microsoft.com/office/drawing/2014/main" id="{9D698CEE-FD38-77BA-FDC8-E2BBEB614B03}"/>
+              </a:ext>
+            </a:extLst>
+          </p:cNvPr>
+          <p:cNvSpPr/>
+          <p:nvPr/>
+        </p:nvSpPr>
+        <p:spPr>
+          <a:xfrm>
+            <a:off x="4267208" y="2286030"/>
+            <a:ext cx="1219168" cy="1142970"/>
+          </a:xfrm>
+          <a:prstGeom prst="rect">
+            <a:avLst/>
+          </a:prstGeom>
+        </p:spPr>
+        <p:style>
+          <a:lnRef idx="2">
+            <a:schemeClr val="accent1">
+              <a:shade val="15000"/>
+            </a:schemeClr>
+          </a:lnRef>
+          <a:fillRef idx="1">
+            <a:schemeClr val="accent1"/>
+          </a:fillRef>
+          <a:effectRef idx="0">
+            <a:schemeClr val="accent1"/>
+          </a:effectRef>
+          <a:fontRef idx="minor">
+            <a:schemeClr val="lt1"/>
+          </a:fontRef>
+        </p:style>
+        <p:txBody>
+          <a:bodyPr rtlCol="0" anchor="ctr"/>
+          <a:lstStyle/>
+          <a:p>
+            <a:r>
+              <a:rPr kumimoji="1" lang="en-US" altLang="zh-CN" dirty="0"/>
+              <a:t>90-00:</a:t>
+            </a:r>
+          </a:p>
+          <a:p>
+            <a:r>
+              <a:rPr kumimoji="1" lang="en-US" altLang="zh-CN" dirty="0"/>
+              <a:t>Multi-core</a:t>
+            </a:r>
+          </a:p>
+        </p:txBody>
+      </p:sp>
+      <p:sp>
+        <p:nvSpPr>
+          <p:cNvPr id="14" name="文本框 13">
+            <a:extLst>
+              <a:ext uri="{FF2B5EF4-FFF2-40B4-BE49-F238E27FC236}">
+                <a16:creationId xmlns:a16="http://schemas.microsoft.com/office/drawing/2014/main" id="{9523AD71-3B20-C4DE-01C3-56162BB8B377}"/>
+              </a:ext>
+            </a:extLst>
+          </p:cNvPr>
+          <p:cNvSpPr txBox="1"/>
+          <p:nvPr/>
+        </p:nvSpPr>
+        <p:spPr>
+          <a:xfrm>
+            <a:off x="4191010" y="3581396"/>
+            <a:ext cx="1371564" cy="923330"/>
+          </a:xfrm>
+          <a:prstGeom prst="rect">
+            <a:avLst/>
+          </a:prstGeom>
+          <a:noFill/>
+        </p:spPr>
+        <p:txBody>
+          <a:bodyPr wrap="square" rtlCol="0">
+            <a:spAutoFit/>
+          </a:bodyPr>
+          <a:lstStyle/>
+          <a:p>
+            <a:r>
+              <a:rPr kumimoji="1" lang="en-US" altLang="zh-CN" dirty="0"/>
+              <a:t>Topics:</a:t>
+            </a:r>
+          </a:p>
+          <a:p>
+            <a:r>
+              <a:rPr kumimoji="1" lang="en-US" altLang="zh-CN" dirty="0"/>
+              <a:t>Concurrency</a:t>
+            </a:r>
+          </a:p>
+        </p:txBody>
+      </p:sp>
+      <p:sp>
+        <p:nvSpPr>
+          <p:cNvPr id="15" name="矩形 14">
+            <a:extLst>
+              <a:ext uri="{FF2B5EF4-FFF2-40B4-BE49-F238E27FC236}">
+                <a16:creationId xmlns:a16="http://schemas.microsoft.com/office/drawing/2014/main" id="{215471A4-043E-FDEC-68B5-1AB55851EA88}"/>
+              </a:ext>
+            </a:extLst>
+          </p:cNvPr>
+          <p:cNvSpPr/>
+          <p:nvPr/>
+        </p:nvSpPr>
+        <p:spPr>
+          <a:xfrm>
+            <a:off x="5638772" y="2286030"/>
+            <a:ext cx="1219168" cy="1142970"/>
+          </a:xfrm>
+          <a:prstGeom prst="rect">
+            <a:avLst/>
+          </a:prstGeom>
+        </p:spPr>
+        <p:style>
+          <a:lnRef idx="2">
+            <a:schemeClr val="accent1">
+              <a:shade val="15000"/>
+            </a:schemeClr>
+          </a:lnRef>
+          <a:fillRef idx="1">
+            <a:schemeClr val="accent1"/>
+          </a:fillRef>
+          <a:effectRef idx="0">
+            <a:schemeClr val="accent1"/>
+          </a:effectRef>
+          <a:fontRef idx="minor">
+            <a:schemeClr val="lt1"/>
+          </a:fontRef>
+        </p:style>
+        <p:txBody>
+          <a:bodyPr rtlCol="0" anchor="ctr"/>
+          <a:lstStyle/>
+          <a:p>
+            <a:r>
+              <a:rPr kumimoji="1" lang="en-US" altLang="zh-CN" dirty="0"/>
+              <a:t>00-10:</a:t>
+            </a:r>
+          </a:p>
+          <a:p>
+            <a:r>
+              <a:rPr kumimoji="1" lang="en-US" altLang="zh-CN" dirty="0"/>
+              <a:t>Cloud</a:t>
+            </a:r>
+          </a:p>
+        </p:txBody>
+      </p:sp>
+      <p:sp>
+        <p:nvSpPr>
+          <p:cNvPr id="16" name="矩形 15">
+            <a:extLst>
+              <a:ext uri="{FF2B5EF4-FFF2-40B4-BE49-F238E27FC236}">
+                <a16:creationId xmlns:a16="http://schemas.microsoft.com/office/drawing/2014/main" id="{6E50C41D-22AE-2C6E-92CE-2D93D0ABD85E}"/>
+              </a:ext>
+            </a:extLst>
+          </p:cNvPr>
+          <p:cNvSpPr/>
+          <p:nvPr/>
+        </p:nvSpPr>
+        <p:spPr>
+          <a:xfrm>
+            <a:off x="7010336" y="2286030"/>
+            <a:ext cx="1219168" cy="1142970"/>
+          </a:xfrm>
+          <a:prstGeom prst="rect">
+            <a:avLst/>
+          </a:prstGeom>
+        </p:spPr>
+        <p:style>
+          <a:lnRef idx="2">
+            <a:schemeClr val="accent1">
+              <a:shade val="15000"/>
+            </a:schemeClr>
+          </a:lnRef>
+          <a:fillRef idx="1">
+            <a:schemeClr val="accent1"/>
+          </a:fillRef>
+          <a:effectRef idx="0">
+            <a:schemeClr val="accent1"/>
+          </a:effectRef>
+          <a:fontRef idx="minor">
+            <a:schemeClr val="lt1"/>
+          </a:fontRef>
+        </p:style>
+        <p:txBody>
+          <a:bodyPr rtlCol="0" anchor="ctr"/>
+          <a:lstStyle/>
+          <a:p>
+            <a:r>
+              <a:rPr kumimoji="1" lang="en-US" altLang="zh-CN" dirty="0"/>
+              <a:t>10-~:</a:t>
+            </a:r>
+          </a:p>
+          <a:p>
+            <a:r>
+              <a:rPr kumimoji="1" lang="en-US" altLang="zh-CN" dirty="0"/>
+              <a:t>AI</a:t>
+            </a:r>
+          </a:p>
+        </p:txBody>
+      </p:sp>
+      <p:sp>
+        <p:nvSpPr>
+          <p:cNvPr id="17" name="文本框 16">
+            <a:extLst>
+              <a:ext uri="{FF2B5EF4-FFF2-40B4-BE49-F238E27FC236}">
+                <a16:creationId xmlns:a16="http://schemas.microsoft.com/office/drawing/2014/main" id="{049DF523-A30A-DD7F-9A2E-3A8373866027}"/>
+              </a:ext>
+            </a:extLst>
+          </p:cNvPr>
+          <p:cNvSpPr txBox="1"/>
+          <p:nvPr/>
+        </p:nvSpPr>
+        <p:spPr>
+          <a:xfrm>
+            <a:off x="5562574" y="3581396"/>
+            <a:ext cx="1371564" cy="646331"/>
+          </a:xfrm>
+          <a:prstGeom prst="rect">
+            <a:avLst/>
+          </a:prstGeom>
+          <a:noFill/>
+        </p:spPr>
+        <p:txBody>
+          <a:bodyPr wrap="square" rtlCol="0">
+            <a:spAutoFit/>
+          </a:bodyPr>
+          <a:lstStyle/>
+          <a:p>
+            <a:r>
+              <a:rPr kumimoji="1" lang="en-US" altLang="zh-CN" dirty="0"/>
+              <a:t>Topics:</a:t>
+            </a:r>
+          </a:p>
+          <a:p>
+            <a:r>
+              <a:rPr kumimoji="1" lang="en-US" altLang="zh-CN" dirty="0"/>
+              <a:t>Distribution</a:t>
+            </a:r>
+          </a:p>
+        </p:txBody>
+      </p:sp>
+      <p:sp>
+        <p:nvSpPr>
+          <p:cNvPr id="18" name="文本框 17">
+            <a:extLst>
+              <a:ext uri="{FF2B5EF4-FFF2-40B4-BE49-F238E27FC236}">
+                <a16:creationId xmlns:a16="http://schemas.microsoft.com/office/drawing/2014/main" id="{7C35078F-89FA-8B98-5A73-D826E0226DDA}"/>
+              </a:ext>
+            </a:extLst>
+          </p:cNvPr>
+          <p:cNvSpPr txBox="1"/>
+          <p:nvPr/>
+        </p:nvSpPr>
+        <p:spPr>
+          <a:xfrm>
+            <a:off x="6934138" y="3581396"/>
+            <a:ext cx="1371564" cy="923330"/>
+          </a:xfrm>
+          <a:prstGeom prst="rect">
+            <a:avLst/>
+          </a:prstGeom>
+          <a:noFill/>
+        </p:spPr>
+        <p:txBody>
+          <a:bodyPr wrap="square" rtlCol="0">
+            <a:spAutoFit/>
+          </a:bodyPr>
+          <a:lstStyle/>
+          <a:p>
+            <a:r>
+              <a:rPr kumimoji="1" lang="en-US" altLang="zh-CN" dirty="0"/>
+              <a:t>Topics:</a:t>
+            </a:r>
+          </a:p>
+          <a:p>
+            <a:r>
+              <a:rPr kumimoji="1" lang="en-US" altLang="zh-CN" dirty="0" err="1"/>
+              <a:t>Hetergerous</a:t>
+            </a:r>
+            <a:endParaRPr kumimoji="1" lang="en-US" altLang="zh-CN" dirty="0"/>
+          </a:p>
+        </p:txBody>
+      </p:sp>
+      <p:sp>
+        <p:nvSpPr>
+          <p:cNvPr id="19" name="文本框 18">
+            <a:extLst>
+              <a:ext uri="{FF2B5EF4-FFF2-40B4-BE49-F238E27FC236}">
+                <a16:creationId xmlns:a16="http://schemas.microsoft.com/office/drawing/2014/main" id="{650ABA07-083B-3D55-7FFE-D0F489A955AB}"/>
+              </a:ext>
+            </a:extLst>
+          </p:cNvPr>
+          <p:cNvSpPr txBox="1"/>
+          <p:nvPr/>
+        </p:nvSpPr>
+        <p:spPr>
+          <a:xfrm>
+            <a:off x="8458098" y="2590822"/>
+            <a:ext cx="485877" cy="369332"/>
+          </a:xfrm>
+          <a:prstGeom prst="rect">
+            <a:avLst/>
+          </a:prstGeom>
+          <a:noFill/>
+        </p:spPr>
+        <p:txBody>
+          <a:bodyPr wrap="square" rtlCol="0">
+            <a:spAutoFit/>
+          </a:bodyPr>
+          <a:lstStyle/>
+          <a:p>
+            <a:r>
+              <a:rPr kumimoji="1" lang="en-US" altLang="zh-CN" dirty="0"/>
+              <a:t>…</a:t>
+            </a:r>
+            <a:endParaRPr kumimoji="1" lang="zh-CN" altLang="en-US" dirty="0"/>
           </a:p>
         </p:txBody>
       </p:sp>
     </p:spTree>
+    <p:extLst>
+      <p:ext uri="{BB962C8B-B14F-4D97-AF65-F5344CB8AC3E}">
+        <p14:creationId xmlns:p14="http://schemas.microsoft.com/office/powerpoint/2010/main" val="4203772368"/>
+      </p:ext>
+    </p:extLst>
   </p:cSld>
   <p:clrMapOvr>
     <a:masterClrMapping/>
@@ -6938,10 +8366,10 @@
       </p:grpSpPr>
       <p:sp>
         <p:nvSpPr>
-          <p:cNvPr id="10241" name="Rectangle 2">
-            <a:extLst>
-              <a:ext uri="{FF2B5EF4-FFF2-40B4-BE49-F238E27FC236}">
-                <a16:creationId xmlns:a16="http://schemas.microsoft.com/office/drawing/2014/main" id="{358D7EC4-2269-40B7-82DC-C6C2E3AD10AB}"/>
+          <p:cNvPr id="9217" name="Rectangle 2">
+            <a:extLst>
+              <a:ext uri="{FF2B5EF4-FFF2-40B4-BE49-F238E27FC236}">
+                <a16:creationId xmlns:a16="http://schemas.microsoft.com/office/drawing/2014/main" id="{7CE04673-9FCD-4CF3-9D2B-2D8682FDDA40}"/>
               </a:ext>
             </a:extLst>
           </p:cNvPr>
@@ -6959,17 +8387,17 @@
           <a:p>
             <a:r>
               <a:rPr lang="en-US" altLang="zh-CN"/>
-              <a:t> </a:t>
-            </a:r>
-          </a:p>
-        </p:txBody>
-      </p:sp>
-      <p:sp>
-        <p:nvSpPr>
-          <p:cNvPr id="10242" name="Rectangle 3">
-            <a:extLst>
-              <a:ext uri="{FF2B5EF4-FFF2-40B4-BE49-F238E27FC236}">
-                <a16:creationId xmlns:a16="http://schemas.microsoft.com/office/drawing/2014/main" id="{5CADFF18-1365-418D-A1D6-35B18050163A}"/>
+              <a:t>Goal of this course</a:t>
+            </a:r>
+          </a:p>
+        </p:txBody>
+      </p:sp>
+      <p:sp>
+        <p:nvSpPr>
+          <p:cNvPr id="9218" name="Rectangle 3">
+            <a:extLst>
+              <a:ext uri="{FF2B5EF4-FFF2-40B4-BE49-F238E27FC236}">
+                <a16:creationId xmlns:a16="http://schemas.microsoft.com/office/drawing/2014/main" id="{800286C6-E207-4C97-8E83-A40BFF217980}"/>
               </a:ext>
             </a:extLst>
           </p:cNvPr>
@@ -6986,26 +8414,95 @@
           <a:lstStyle/>
           <a:p>
             <a:pPr>
-              <a:buFont typeface="Wingdings" panose="05000000000000000000" pitchFamily="2" charset="2"/>
-              <a:buNone/>
+              <a:lnSpc>
+                <a:spcPct val="90000"/>
+              </a:lnSpc>
             </a:pPr>
-            <a:endParaRPr lang="en-US" altLang="zh-CN"/>
+            <a:r>
+              <a:rPr lang="en-US" altLang="zh-CN" dirty="0"/>
+              <a:t>Solid C programming</a:t>
+            </a:r>
+            <a:r>
+              <a:rPr lang="zh-CN" altLang="en-US" dirty="0"/>
+              <a:t> </a:t>
+            </a:r>
+            <a:r>
+              <a:rPr lang="en-US" altLang="zh-CN" dirty="0"/>
+              <a:t>skill:</a:t>
+            </a:r>
+          </a:p>
+          <a:p>
+            <a:pPr lvl="1">
+              <a:lnSpc>
+                <a:spcPct val="90000"/>
+              </a:lnSpc>
+            </a:pPr>
+            <a:r>
+              <a:rPr lang="en-US" altLang="zh-CN" dirty="0"/>
+              <a:t>C is</a:t>
+            </a:r>
+            <a:r>
+              <a:rPr lang="zh-CN" altLang="en-US" dirty="0"/>
+              <a:t> </a:t>
+            </a:r>
+            <a:r>
+              <a:rPr lang="en-US" altLang="zh-CN" dirty="0"/>
+              <a:t>crucial for CS</a:t>
+            </a:r>
+          </a:p>
+          <a:p>
+            <a:pPr lvl="1">
+              <a:lnSpc>
+                <a:spcPct val="90000"/>
+              </a:lnSpc>
+            </a:pPr>
+            <a:r>
+              <a:rPr lang="en-US" altLang="zh-CN" dirty="0"/>
+              <a:t>Foundations for later computer courses</a:t>
+            </a:r>
           </a:p>
           <a:p>
             <a:pPr>
-              <a:buFont typeface="Wingdings" panose="05000000000000000000" pitchFamily="2" charset="2"/>
-              <a:buNone/>
+              <a:lnSpc>
+                <a:spcPct val="90000"/>
+              </a:lnSpc>
             </a:pPr>
-            <a:endParaRPr lang="en-US" altLang="zh-CN"/>
-          </a:p>
-          <a:p>
-            <a:pPr algn="ctr">
-              <a:buFont typeface="Wingdings" panose="05000000000000000000" pitchFamily="2" charset="2"/>
-              <a:buNone/>
+            <a:r>
+              <a:rPr lang="en-US" altLang="zh-CN" dirty="0"/>
+              <a:t>System programming skills</a:t>
+            </a:r>
+          </a:p>
+          <a:p>
+            <a:pPr lvl="1">
+              <a:lnSpc>
+                <a:spcPct val="90000"/>
+              </a:lnSpc>
             </a:pPr>
             <a:r>
-              <a:rPr lang="en-US" altLang="zh-CN"/>
-              <a:t>How this course works?</a:t>
+              <a:rPr lang="en-US" altLang="zh-CN" dirty="0"/>
+              <a:t>Be experienced system programmers</a:t>
+            </a:r>
+          </a:p>
+          <a:p>
+            <a:pPr>
+              <a:lnSpc>
+                <a:spcPct val="90000"/>
+              </a:lnSpc>
+            </a:pPr>
+            <a:r>
+              <a:rPr lang="en-US" altLang="zh-CN" dirty="0"/>
+              <a:t>Familiarize you with computational thinking</a:t>
+            </a:r>
+          </a:p>
+          <a:p>
+            <a:pPr lvl="1">
+              <a:lnSpc>
+                <a:spcPct val="90000"/>
+              </a:lnSpc>
+            </a:pPr>
+            <a:r>
+              <a:rPr lang="en-US" altLang="zh-CN" dirty="0"/>
+              <a:t>e.g.: abstraction (ADT), recursion</a:t>
             </a:r>
           </a:p>
         </p:txBody>
@@ -7037,10 +8534,10 @@
       </p:grpSpPr>
       <p:sp>
         <p:nvSpPr>
-          <p:cNvPr id="11265" name="Rectangle 2">
-            <a:extLst>
-              <a:ext uri="{FF2B5EF4-FFF2-40B4-BE49-F238E27FC236}">
-                <a16:creationId xmlns:a16="http://schemas.microsoft.com/office/drawing/2014/main" id="{A8D0BEB5-A085-4390-B011-A53235FD48A9}"/>
+          <p:cNvPr id="10241" name="Rectangle 2">
+            <a:extLst>
+              <a:ext uri="{FF2B5EF4-FFF2-40B4-BE49-F238E27FC236}">
+                <a16:creationId xmlns:a16="http://schemas.microsoft.com/office/drawing/2014/main" id="{358D7EC4-2269-40B7-82DC-C6C2E3AD10AB}"/>
               </a:ext>
             </a:extLst>
           </p:cNvPr>
@@ -7058,17 +8555,17 @@
           <a:p>
             <a:r>
               <a:rPr lang="en-US" altLang="zh-CN"/>
-              <a:t>Administrivia</a:t>
-            </a:r>
-          </a:p>
-        </p:txBody>
-      </p:sp>
-      <p:sp>
-        <p:nvSpPr>
-          <p:cNvPr id="11266" name="Rectangle 3">
-            <a:extLst>
-              <a:ext uri="{FF2B5EF4-FFF2-40B4-BE49-F238E27FC236}">
-                <a16:creationId xmlns:a16="http://schemas.microsoft.com/office/drawing/2014/main" id="{0EC31422-0971-4A31-A1B1-846CA0C84981}"/>
+              <a:t> </a:t>
+            </a:r>
+          </a:p>
+        </p:txBody>
+      </p:sp>
+      <p:sp>
+        <p:nvSpPr>
+          <p:cNvPr id="10242" name="Rectangle 3">
+            <a:extLst>
+              <a:ext uri="{FF2B5EF4-FFF2-40B4-BE49-F238E27FC236}">
+                <a16:creationId xmlns:a16="http://schemas.microsoft.com/office/drawing/2014/main" id="{5CADFF18-1365-418D-A1D6-35B18050163A}"/>
               </a:ext>
             </a:extLst>
           </p:cNvPr>
@@ -7084,61 +8581,27 @@
           <a:bodyPr/>
           <a:lstStyle/>
           <a:p>
-            <a:r>
-              <a:rPr lang="en-US" altLang="zh-CN" dirty="0"/>
-              <a:t>Instructor: </a:t>
-            </a:r>
-          </a:p>
-          <a:p>
-            <a:pPr lvl="1"/>
-            <a:r>
-              <a:rPr lang="en-US" altLang="zh-CN" dirty="0"/>
-              <a:t>Hua, </a:t>
-            </a:r>
-            <a:r>
-              <a:rPr lang="en-US" altLang="zh-CN" dirty="0" err="1"/>
-              <a:t>Baojian</a:t>
-            </a:r>
-            <a:r>
-              <a:rPr lang="en-US" altLang="zh-CN" dirty="0"/>
-              <a:t>: </a:t>
-            </a:r>
-            <a:r>
-              <a:rPr lang="en-US" altLang="zh-CN" dirty="0" err="1"/>
-              <a:t>bjhua@ustc.edu.cn</a:t>
-            </a:r>
-            <a:endParaRPr lang="en-US" altLang="zh-CN" dirty="0"/>
-          </a:p>
-          <a:p>
-            <a:r>
-              <a:rPr lang="en-US" altLang="zh-CN" dirty="0"/>
-              <a:t>TAs: </a:t>
-            </a:r>
-          </a:p>
-          <a:p>
-            <a:pPr lvl="1"/>
-            <a:r>
-              <a:rPr lang="en-US" altLang="zh-CN" dirty="0"/>
-              <a:t>Yufei, Wu</a:t>
-            </a:r>
+            <a:pPr>
+              <a:buFont typeface="Wingdings" panose="05000000000000000000" pitchFamily="2" charset="2"/>
+              <a:buNone/>
+            </a:pPr>
+            <a:endParaRPr lang="en-US" altLang="zh-CN"/>
+          </a:p>
+          <a:p>
+            <a:pPr>
+              <a:buFont typeface="Wingdings" panose="05000000000000000000" pitchFamily="2" charset="2"/>
+              <a:buNone/>
+            </a:pPr>
+            <a:endParaRPr lang="en-US" altLang="zh-CN"/>
+          </a:p>
+          <a:p>
+            <a:pPr algn="ctr">
+              <a:buFont typeface="Wingdings" panose="05000000000000000000" pitchFamily="2" charset="2"/>
+              <a:buNone/>
+            </a:pPr>
             <a:r>
               <a:rPr lang="en-US" altLang="zh-CN"/>
-              <a:t>: wuyf21</a:t>
-            </a:r>
-            <a:r>
-              <a:rPr lang="en-US" altLang="zh-CN" dirty="0"/>
-              <a:t>@mail.ustc.edu.cn</a:t>
-            </a:r>
-          </a:p>
-          <a:p>
-            <a:pPr lvl="1"/>
-            <a:r>
-              <a:rPr lang="en-US" altLang="zh-CN" dirty="0" err="1"/>
-              <a:t>Wenlong</a:t>
-            </a:r>
-            <a:r>
-              <a:rPr lang="en-US" altLang="zh-CN" dirty="0"/>
-              <a:t>, Zheng: zwl21@mail.ustc.edu.cn</a:t>
+              <a:t>How this course works?</a:t>
             </a:r>
           </a:p>
         </p:txBody>
@@ -7170,10 +8633,10 @@
       </p:grpSpPr>
       <p:sp>
         <p:nvSpPr>
-          <p:cNvPr id="12289" name="Rectangle 2">
-            <a:extLst>
-              <a:ext uri="{FF2B5EF4-FFF2-40B4-BE49-F238E27FC236}">
-                <a16:creationId xmlns:a16="http://schemas.microsoft.com/office/drawing/2014/main" id="{E8B2A50E-500B-441B-B688-BE23C7B104C8}"/>
+          <p:cNvPr id="11265" name="Rectangle 2">
+            <a:extLst>
+              <a:ext uri="{FF2B5EF4-FFF2-40B4-BE49-F238E27FC236}">
+                <a16:creationId xmlns:a16="http://schemas.microsoft.com/office/drawing/2014/main" id="{A8D0BEB5-A085-4390-B011-A53235FD48A9}"/>
               </a:ext>
             </a:extLst>
           </p:cNvPr>
@@ -7191,17 +8654,17 @@
           <a:p>
             <a:r>
               <a:rPr lang="en-US" altLang="zh-CN"/>
-              <a:t>Course Home Page</a:t>
-            </a:r>
-          </a:p>
-        </p:txBody>
-      </p:sp>
-      <p:sp>
-        <p:nvSpPr>
-          <p:cNvPr id="13315" name="Rectangle 3">
-            <a:extLst>
-              <a:ext uri="{FF2B5EF4-FFF2-40B4-BE49-F238E27FC236}">
-                <a16:creationId xmlns:a16="http://schemas.microsoft.com/office/drawing/2014/main" id="{65BF0875-5CFD-450B-AA46-2B0AFD9F6278}"/>
+              <a:t>Administrivia</a:t>
+            </a:r>
+          </a:p>
+        </p:txBody>
+      </p:sp>
+      <p:sp>
+        <p:nvSpPr>
+          <p:cNvPr id="11266" name="Rectangle 3">
+            <a:extLst>
+              <a:ext uri="{FF2B5EF4-FFF2-40B4-BE49-F238E27FC236}">
+                <a16:creationId xmlns:a16="http://schemas.microsoft.com/office/drawing/2014/main" id="{0EC31422-0971-4A31-A1B1-846CA0C84981}"/>
               </a:ext>
             </a:extLst>
           </p:cNvPr>
@@ -7217,114 +8680,70 @@
           <a:bodyPr/>
           <a:lstStyle/>
           <a:p>
-            <a:pPr>
-              <a:defRPr/>
-            </a:pPr>
-            <a:r>
-              <a:rPr lang="en-US" altLang="zh-CN" sz="2800" dirty="0"/>
-              <a:t>Home page    </a:t>
-            </a:r>
-          </a:p>
-          <a:p>
-            <a:pPr marL="0" indent="0">
-              <a:buFont typeface="Wingdings" panose="05000000000000000000" pitchFamily="2" charset="2"/>
-              <a:buNone/>
-              <a:defRPr/>
-            </a:pPr>
-            <a:r>
-              <a:rPr lang="en-US" altLang="zh-CN" sz="2400" dirty="0">
-                <a:solidFill>
-                  <a:schemeClr val="hlink"/>
-                </a:solidFill>
-              </a:rPr>
-              <a:t>https://</a:t>
-            </a:r>
-            <a:r>
-              <a:rPr lang="en-US" altLang="zh-CN" sz="2400" dirty="0" err="1">
-                <a:solidFill>
-                  <a:schemeClr val="hlink"/>
-                </a:solidFill>
-              </a:rPr>
-              <a:t>csslab-ustc.github.io</a:t>
-            </a:r>
-            <a:r>
-              <a:rPr lang="en-US" altLang="zh-CN" sz="2400" dirty="0">
-                <a:solidFill>
-                  <a:schemeClr val="hlink"/>
-                </a:solidFill>
-              </a:rPr>
-              <a:t>/courses/</a:t>
-            </a:r>
-            <a:r>
-              <a:rPr lang="en-US" altLang="zh-CN" sz="2400" dirty="0" err="1">
-                <a:solidFill>
-                  <a:schemeClr val="hlink"/>
-                </a:solidFill>
-              </a:rPr>
-              <a:t>sysprog</a:t>
-            </a:r>
-            <a:r>
-              <a:rPr lang="en-US" altLang="zh-CN" sz="2400" dirty="0">
-                <a:solidFill>
-                  <a:schemeClr val="hlink"/>
-                </a:solidFill>
-              </a:rPr>
-              <a:t>/</a:t>
-            </a:r>
-          </a:p>
-          <a:p>
-            <a:pPr lvl="1">
-              <a:defRPr/>
-            </a:pPr>
-            <a:r>
-              <a:rPr lang="en-US" altLang="zh-CN" sz="2400" dirty="0"/>
-              <a:t>Course administrivia</a:t>
-            </a:r>
-          </a:p>
-          <a:p>
-            <a:pPr lvl="1">
-              <a:defRPr/>
-            </a:pPr>
-            <a:r>
-              <a:rPr lang="en-US" altLang="zh-CN" sz="2400" dirty="0"/>
-              <a:t>Lecture notes</a:t>
-            </a:r>
-          </a:p>
-          <a:p>
-            <a:pPr lvl="1">
-              <a:defRPr/>
-            </a:pPr>
-            <a:r>
-              <a:rPr lang="en-US" altLang="zh-CN" sz="2400" dirty="0"/>
-              <a:t>Programming assignments</a:t>
-            </a:r>
-          </a:p>
-          <a:p>
-            <a:pPr lvl="1">
-              <a:defRPr/>
-            </a:pPr>
-            <a:r>
-              <a:rPr lang="en-US" altLang="zh-CN" sz="2400" dirty="0"/>
-              <a:t>Software</a:t>
-            </a:r>
-          </a:p>
-          <a:p>
-            <a:pPr lvl="1">
-              <a:defRPr/>
-            </a:pPr>
-            <a:r>
-              <a:rPr lang="en-US" altLang="zh-CN" sz="2400" dirty="0"/>
-              <a:t>Test and evaluation</a:t>
-            </a:r>
-          </a:p>
-          <a:p>
-            <a:pPr>
-              <a:defRPr/>
-            </a:pPr>
-            <a:r>
-              <a:rPr lang="en-US" altLang="zh-CN" sz="2800" dirty="0"/>
-              <a:t>Check course home page frequently</a:t>
-            </a:r>
+            <a:r>
+              <a:rPr lang="en-US" altLang="zh-CN" dirty="0"/>
+              <a:t>Instructor: </a:t>
+            </a:r>
+          </a:p>
+          <a:p>
+            <a:pPr lvl="1"/>
+            <a:r>
+              <a:rPr lang="en-US" altLang="zh-CN" dirty="0"/>
+              <a:t>Hua, Baojian</a:t>
+            </a:r>
+          </a:p>
+          <a:p>
+            <a:r>
+              <a:rPr lang="en-US" altLang="zh-CN" dirty="0"/>
+              <a:t>TAs: </a:t>
+            </a:r>
+          </a:p>
+          <a:p>
+            <a:pPr lvl="1"/>
+            <a:r>
+              <a:rPr lang="en-US" altLang="zh-CN" dirty="0"/>
+              <a:t>Ma,</a:t>
+            </a:r>
+            <a:r>
+              <a:rPr lang="zh-CN" altLang="en-US" dirty="0"/>
+              <a:t> </a:t>
+            </a:r>
+            <a:r>
+              <a:rPr lang="en-US" altLang="zh-CN" dirty="0" err="1"/>
+              <a:t>Jingnan</a:t>
+            </a:r>
+            <a:endParaRPr lang="en-US" altLang="zh-CN" dirty="0"/>
+          </a:p>
+          <a:p>
+            <a:pPr lvl="1"/>
+            <a:r>
+              <a:rPr lang="en-US" altLang="zh-CN" dirty="0"/>
+              <a:t>Xu,</a:t>
+            </a:r>
+            <a:r>
+              <a:rPr lang="zh-CN" altLang="en-US" dirty="0"/>
+              <a:t> </a:t>
+            </a:r>
+            <a:r>
+              <a:rPr lang="en-US" altLang="zh-CN" dirty="0"/>
+              <a:t>Hao</a:t>
+            </a:r>
+          </a:p>
+          <a:p>
+            <a:pPr lvl="1"/>
+            <a:r>
+              <a:rPr lang="en-US" altLang="zh-CN" dirty="0"/>
+              <a:t>Zhao,</a:t>
+            </a:r>
+            <a:r>
+              <a:rPr lang="zh-CN" altLang="en-US" dirty="0"/>
+              <a:t> </a:t>
+            </a:r>
+            <a:r>
+              <a:rPr lang="en-US" altLang="zh-CN" dirty="0" err="1"/>
+              <a:t>Jiacheng</a:t>
+            </a:r>
+            <a:endParaRPr lang="en-US" altLang="zh-CN" dirty="0"/>
           </a:p>
         </p:txBody>
       </p:sp>

--- a/courses/sysprog/slides/lec01-overview.pptx
+++ b/courses/sysprog/slides/lec01-overview.pptx
@@ -5146,7 +5146,7 @@
             </a:pPr>
             <a:r>
               <a:rPr lang="en-US" altLang="zh-CN" sz="2400" dirty="0"/>
-              <a:t>Lab</a:t>
+              <a:t>Labs</a:t>
             </a:r>
           </a:p>
           <a:p>
@@ -5251,14 +5251,14 @@
             <a:r>
               <a:rPr lang="en-US" altLang="zh-CN" sz="2400" i="1" dirty="0">
                 <a:solidFill>
-                  <a:schemeClr val="folHlink"/>
+                  <a:srgbClr val="0432FF"/>
                 </a:solidFill>
               </a:rPr>
-              <a:t>The C Programming Language</a:t>
+              <a:t>The C Programming Language </a:t>
             </a:r>
             <a:r>
               <a:rPr lang="en-US" altLang="zh-CN" sz="2400" i="1" dirty="0"/>
-              <a:t> (Second Edition)</a:t>
+              <a:t>(2nd Edition)</a:t>
             </a:r>
             <a:r>
               <a:rPr lang="en-US" altLang="zh-CN" sz="2400" dirty="0"/>
@@ -5274,7 +5274,7 @@
             <a:r>
               <a:rPr lang="en-US" altLang="zh-CN" sz="2400" i="1" dirty="0">
                 <a:solidFill>
-                  <a:srgbClr val="1E3EC0"/>
+                  <a:srgbClr val="0432FF"/>
                 </a:solidFill>
               </a:rPr>
               <a:t>C Interface and Implementation</a:t>
@@ -5293,22 +5293,14 @@
             <a:r>
               <a:rPr lang="en-US" altLang="zh-CN" sz="2400" i="1" dirty="0">
                 <a:solidFill>
-                  <a:srgbClr val="1E3EC0"/>
+                  <a:srgbClr val="0432FF"/>
                 </a:solidFill>
               </a:rPr>
               <a:t>Unix System Programming</a:t>
             </a:r>
             <a:r>
               <a:rPr lang="en-US" altLang="zh-CN" sz="2400" dirty="0"/>
-              <a:t>. </a:t>
-            </a:r>
-            <a:r>
-              <a:rPr lang="en-US" altLang="zh-CN" sz="2400" dirty="0" err="1"/>
-              <a:t>Rietchard</a:t>
-            </a:r>
-            <a:r>
-              <a:rPr lang="en-US" altLang="zh-CN" sz="2400" dirty="0"/>
-              <a:t> Stevens.</a:t>
+              <a:t>. Richard Stevens.</a:t>
             </a:r>
           </a:p>
         </p:txBody>
@@ -5574,7 +5566,51 @@
             </a:pPr>
             <a:r>
               <a:rPr lang="en-US" altLang="zh-CN" dirty="0"/>
-              <a:t>There are 6 labs (tentative)</a:t>
+              <a:t>There are 6 labs (</a:t>
+            </a:r>
+            <a:r>
+              <a:rPr lang="en-US" altLang="zh-CN" dirty="0">
+                <a:solidFill>
+                  <a:srgbClr val="0432FF"/>
+                </a:solidFill>
+              </a:rPr>
+              <a:t>Optional</a:t>
+            </a:r>
+            <a:r>
+              <a:rPr lang="zh-CN" altLang="en-US" dirty="0">
+                <a:solidFill>
+                  <a:srgbClr val="0432FF"/>
+                </a:solidFill>
+              </a:rPr>
+              <a:t> </a:t>
+            </a:r>
+            <a:r>
+              <a:rPr lang="en-US" altLang="zh-CN" dirty="0">
+                <a:solidFill>
+                  <a:srgbClr val="0432FF"/>
+                </a:solidFill>
+              </a:rPr>
+              <a:t>this</a:t>
+            </a:r>
+            <a:r>
+              <a:rPr lang="zh-CN" altLang="en-US" dirty="0">
+                <a:solidFill>
+                  <a:srgbClr val="0432FF"/>
+                </a:solidFill>
+              </a:rPr>
+              <a:t> </a:t>
+            </a:r>
+            <a:r>
+              <a:rPr lang="en-US" altLang="zh-CN" dirty="0">
+                <a:solidFill>
+                  <a:srgbClr val="0432FF"/>
+                </a:solidFill>
+              </a:rPr>
+              <a:t>year</a:t>
+            </a:r>
+            <a:r>
+              <a:rPr lang="en-US" altLang="zh-CN" dirty="0"/>
+              <a:t>)</a:t>
             </a:r>
           </a:p>
           <a:p>
@@ -5585,19 +5621,7 @@
             </a:pPr>
             <a:r>
               <a:rPr lang="en-US" altLang="zh-CN" dirty="0"/>
-              <a:t>Each consists of some required problems and optional problems (</a:t>
-            </a:r>
-            <a:r>
-              <a:rPr lang="en-US" altLang="zh-CN" dirty="0">
-                <a:solidFill>
-                  <a:schemeClr val="folHlink"/>
-                </a:solidFill>
-              </a:rPr>
-              <a:t>Optional</a:t>
-            </a:r>
-            <a:r>
-              <a:rPr lang="en-US" altLang="zh-CN" dirty="0"/>
-              <a:t>) </a:t>
+              <a:t>Each consists of some required problems and optional problems</a:t>
             </a:r>
           </a:p>
           <a:p>
@@ -5703,7 +5727,7 @@
           <p:nvPr>
             <p:extLst>
               <p:ext uri="{D42A27DB-BD31-4B8C-83A1-F6EECF244321}">
-                <p14:modId xmlns:p14="http://schemas.microsoft.com/office/powerpoint/2010/main" val="1053896599"/>
+                <p14:modId xmlns:p14="http://schemas.microsoft.com/office/powerpoint/2010/main" val="590073011"/>
               </p:ext>
             </p:extLst>
           </p:nvPr>
@@ -5915,7 +5939,7 @@
                       </a:r>
                       <a:r>
                         <a:rPr lang="en-US" altLang="zh-CN" dirty="0"/>
-                        <a:t>how</a:t>
+                        <a:t>single-process</a:t>
                       </a:r>
                       <a:r>
                         <a:rPr lang="zh-CN" altLang="en-US" dirty="0"/>
@@ -5923,23 +5947,7 @@
                       </a:r>
                       <a:r>
                         <a:rPr lang="en-US" altLang="zh-CN" dirty="0"/>
-                        <a:t>the</a:t>
-                      </a:r>
-                      <a:r>
-                        <a:rPr lang="zh-CN" altLang="en-US" dirty="0"/>
-                        <a:t> </a:t>
-                      </a:r>
-                      <a:r>
-                        <a:rPr lang="en-US" altLang="zh-CN" dirty="0"/>
-                        <a:t>tools</a:t>
-                      </a:r>
-                      <a:r>
-                        <a:rPr lang="zh-CN" altLang="en-US" dirty="0"/>
-                        <a:t> </a:t>
-                      </a:r>
-                      <a:r>
-                        <a:rPr lang="en-US" altLang="zh-CN" dirty="0"/>
-                        <a:t>work</a:t>
+                        <a:t>programming</a:t>
                       </a:r>
                       <a:endParaRPr lang="zh-CN" altLang="en-US" dirty="0"/>
                     </a:p>
@@ -6293,6 +6301,14 @@
                       </a:r>
                       <a:r>
                         <a:rPr lang="en-US" altLang="zh-CN" dirty="0"/>
+                        <a:t>and</a:t>
+                      </a:r>
+                      <a:r>
+                        <a:rPr lang="zh-CN" altLang="en-US" dirty="0"/>
+                        <a:t> </a:t>
+                      </a:r>
+                      <a:r>
+                        <a:rPr lang="en-US" altLang="zh-CN" dirty="0"/>
                         <a:t>analysis</a:t>
                       </a:r>
                     </a:p>
@@ -6391,21 +6407,78 @@
           <a:p>
             <a:r>
               <a:rPr lang="en-US" altLang="zh-CN" dirty="0"/>
-              <a:t>Scores</a:t>
+              <a:t>Scores:</a:t>
             </a:r>
           </a:p>
           <a:p>
             <a:pPr lvl="1"/>
             <a:r>
               <a:rPr lang="en-US" altLang="zh-CN" dirty="0"/>
-              <a:t>80%: labs</a:t>
-            </a:r>
+              <a:t>50%: homework</a:t>
+            </a:r>
+            <a:r>
+              <a:rPr lang="zh-CN" altLang="en-US" dirty="0"/>
+              <a:t> </a:t>
+            </a:r>
+            <a:r>
+              <a:rPr lang="en-US" altLang="zh-CN" dirty="0"/>
+              <a:t>(all</a:t>
+            </a:r>
+            <a:r>
+              <a:rPr lang="zh-CN" altLang="en-US" dirty="0"/>
+              <a:t> </a:t>
+            </a:r>
+            <a:r>
+              <a:rPr lang="en-US" altLang="zh-CN" dirty="0"/>
+              <a:t>problems</a:t>
+            </a:r>
+            <a:r>
+              <a:rPr lang="zh-CN" altLang="en-US" dirty="0"/>
+              <a:t> </a:t>
+            </a:r>
+            <a:r>
+              <a:rPr lang="en-US" altLang="zh-CN" dirty="0"/>
+              <a:t>in</a:t>
+            </a:r>
+            <a:r>
+              <a:rPr lang="zh-CN" altLang="en-US" dirty="0"/>
+              <a:t> </a:t>
+            </a:r>
+            <a:r>
+              <a:rPr lang="en-US" altLang="zh-CN"/>
+              <a:t>TCPL)</a:t>
+            </a:r>
+            <a:endParaRPr lang="en-US" altLang="zh-CN" dirty="0"/>
           </a:p>
           <a:p>
             <a:pPr lvl="1"/>
             <a:r>
               <a:rPr lang="en-US" altLang="zh-CN" dirty="0"/>
-              <a:t>20%: class attending</a:t>
+              <a:t>50%: final</a:t>
+            </a:r>
+            <a:r>
+              <a:rPr lang="zh-CN" altLang="en-US" dirty="0"/>
+              <a:t> </a:t>
+            </a:r>
+            <a:r>
+              <a:rPr lang="en-US" altLang="zh-CN" dirty="0"/>
+              <a:t>writing</a:t>
+            </a:r>
+            <a:r>
+              <a:rPr lang="zh-CN" altLang="en-US" dirty="0"/>
+              <a:t> </a:t>
+            </a:r>
+            <a:r>
+              <a:rPr lang="en-US" altLang="zh-CN" dirty="0"/>
+              <a:t>and</a:t>
+            </a:r>
+            <a:r>
+              <a:rPr lang="zh-CN" altLang="en-US" dirty="0"/>
+              <a:t> </a:t>
+            </a:r>
+            <a:r>
+              <a:rPr lang="en-US" altLang="zh-CN" dirty="0"/>
+              <a:t>submission</a:t>
             </a:r>
           </a:p>
           <a:p>
@@ -7071,8 +7144,8 @@
         </p:nvSpPr>
         <p:spPr>
           <a:xfrm>
-            <a:off x="6095960" y="5257752"/>
-            <a:ext cx="1904950" cy="923330"/>
+            <a:off x="6095959" y="5257752"/>
+            <a:ext cx="2848015" cy="646331"/>
           </a:xfrm>
           <a:prstGeom prst="rect">
             <a:avLst/>
@@ -7091,7 +7164,15 @@
             </a:r>
             <a:r>
               <a:rPr kumimoji="1" lang="zh-CN" altLang="en-US" dirty="0"/>
-              <a:t>图灵奖得主：</a:t>
+              <a:t>图灵奖得主</a:t>
+            </a:r>
+            <a:r>
+              <a:rPr kumimoji="1" lang="en-US" altLang="zh-CN" dirty="0"/>
+              <a:t>(1984)</a:t>
+            </a:r>
+            <a:r>
+              <a:rPr kumimoji="1" lang="zh-CN" altLang="en-US" dirty="0"/>
+              <a:t>：</a:t>
             </a:r>
             <a:endParaRPr kumimoji="1" lang="en-US" altLang="zh-CN" dirty="0"/>
           </a:p>
@@ -7697,7 +7778,7 @@
           <a:p>
             <a:r>
               <a:rPr kumimoji="1" lang="en-US" altLang="zh-CN" dirty="0"/>
-              <a:t>50-60:</a:t>
+              <a:t>50’-60’:</a:t>
             </a:r>
           </a:p>
           <a:p>
@@ -7731,7 +7812,7 @@
         <p:spPr>
           <a:xfrm>
             <a:off x="228714" y="3581396"/>
-            <a:ext cx="1371564" cy="2031325"/>
+            <a:ext cx="1371564" cy="1200329"/>
           </a:xfrm>
           <a:prstGeom prst="rect">
             <a:avLst/>
@@ -7752,7 +7833,7 @@
           <a:p>
             <a:r>
               <a:rPr kumimoji="1" lang="en-US" altLang="zh-CN" dirty="0"/>
-              <a:t>language</a:t>
+              <a:t>single</a:t>
             </a:r>
             <a:r>
               <a:rPr kumimoji="1" lang="zh-CN" altLang="en-US" dirty="0"/>
@@ -7760,55 +7841,23 @@
             </a:r>
             <a:r>
               <a:rPr kumimoji="1" lang="en-US" altLang="zh-CN" dirty="0"/>
-              <a:t>tools</a:t>
-            </a:r>
-            <a:r>
-              <a:rPr kumimoji="1" lang="zh-CN" altLang="en-US" dirty="0">
-                <a:sym typeface="Wingdings" pitchFamily="2" charset="2"/>
-              </a:rPr>
+              <a:t>user,</a:t>
+            </a:r>
+            <a:r>
+              <a:rPr kumimoji="1" lang="zh-CN" altLang="en-US" dirty="0"/>
               <a:t> </a:t>
             </a:r>
             <a:r>
-              <a:rPr kumimoji="1" lang="en-US" altLang="zh-CN" dirty="0">
-                <a:sym typeface="Wingdings" pitchFamily="2" charset="2"/>
-              </a:rPr>
-              <a:t>(compiler,</a:t>
-            </a:r>
-            <a:r>
-              <a:rPr kumimoji="1" lang="zh-CN" altLang="en-US" dirty="0">
-                <a:sym typeface="Wingdings" pitchFamily="2" charset="2"/>
-              </a:rPr>
+              <a:rPr kumimoji="1" lang="en-US" altLang="zh-CN" dirty="0"/>
+              <a:t>single</a:t>
+            </a:r>
+            <a:r>
+              <a:rPr kumimoji="1" lang="zh-CN" altLang="en-US" dirty="0"/>
               <a:t> </a:t>
             </a:r>
             <a:r>
-              <a:rPr kumimoji="1" lang="en-US" altLang="zh-CN" dirty="0">
-                <a:sym typeface="Wingdings" pitchFamily="2" charset="2"/>
-              </a:rPr>
-              <a:t>assemblers,</a:t>
-            </a:r>
-            <a:r>
-              <a:rPr kumimoji="1" lang="zh-CN" altLang="en-US" dirty="0">
-                <a:sym typeface="Wingdings" pitchFamily="2" charset="2"/>
-              </a:rPr>
-              <a:t> </a:t>
-            </a:r>
-            <a:r>
-              <a:rPr kumimoji="1" lang="en-US" altLang="zh-CN" dirty="0">
-                <a:sym typeface="Wingdings" pitchFamily="2" charset="2"/>
-              </a:rPr>
-              <a:t>linkers,</a:t>
-            </a:r>
-            <a:r>
-              <a:rPr kumimoji="1" lang="zh-CN" altLang="en-US" dirty="0">
-                <a:sym typeface="Wingdings" pitchFamily="2" charset="2"/>
-              </a:rPr>
-              <a:t> </a:t>
-            </a:r>
-            <a:r>
-              <a:rPr kumimoji="1" lang="en-US" altLang="zh-CN" dirty="0">
-                <a:sym typeface="Wingdings" pitchFamily="2" charset="2"/>
-              </a:rPr>
-              <a:t>loaders)</a:t>
+              <a:rPr kumimoji="1" lang="en-US" altLang="zh-CN" dirty="0"/>
+              <a:t>process</a:t>
             </a:r>
             <a:endParaRPr kumimoji="1" lang="zh-CN" altLang="en-US" dirty="0"/>
           </a:p>
@@ -7947,7 +7996,7 @@
           <a:p>
             <a:r>
               <a:rPr kumimoji="1" lang="en-US" altLang="zh-CN" dirty="0"/>
-              <a:t>60-70:</a:t>
+              <a:t>60’-70’:</a:t>
             </a:r>
           </a:p>
           <a:p>
@@ -8001,7 +8050,7 @@
           <a:p>
             <a:r>
               <a:rPr kumimoji="1" lang="en-US" altLang="zh-CN" dirty="0"/>
-              <a:t>70-80:</a:t>
+              <a:t>70’-80’:</a:t>
             </a:r>
           </a:p>
           <a:p>
@@ -8055,7 +8104,7 @@
           <a:p>
             <a:r>
               <a:rPr kumimoji="1" lang="en-US" altLang="zh-CN" dirty="0"/>
-              <a:t>90-00:</a:t>
+              <a:t>90’-00’:</a:t>
             </a:r>
           </a:p>
           <a:p>
@@ -8150,7 +8199,7 @@
           <a:p>
             <a:r>
               <a:rPr kumimoji="1" lang="en-US" altLang="zh-CN" dirty="0"/>
-              <a:t>00-10:</a:t>
+              <a:t>00’-10’:</a:t>
             </a:r>
           </a:p>
           <a:p>
@@ -8204,7 +8253,7 @@
           <a:p>
             <a:r>
               <a:rPr kumimoji="1" lang="en-US" altLang="zh-CN" dirty="0"/>
-              <a:t>10-~:</a:t>
+              <a:t>10’-~:</a:t>
             </a:r>
           </a:p>
           <a:p>
@@ -8271,7 +8320,7 @@
         <p:spPr>
           <a:xfrm>
             <a:off x="6934138" y="3581396"/>
-            <a:ext cx="1371564" cy="923330"/>
+            <a:ext cx="1600158" cy="646331"/>
           </a:xfrm>
           <a:prstGeom prst="rect">
             <a:avLst/>
@@ -8291,10 +8340,9 @@
           </a:p>
           <a:p>
             <a:r>
-              <a:rPr kumimoji="1" lang="en-US" altLang="zh-CN" dirty="0" err="1"/>
-              <a:t>Hetergerous</a:t>
-            </a:r>
-            <a:endParaRPr kumimoji="1" lang="en-US" altLang="zh-CN" dirty="0"/>
+              <a:rPr kumimoji="1" lang="en-US" altLang="zh-CN" dirty="0"/>
+              <a:t>Heterogenous</a:t>
+            </a:r>
           </a:p>
         </p:txBody>
       </p:sp>
@@ -8428,7 +8476,7 @@
             </a:r>
             <a:r>
               <a:rPr lang="en-US" altLang="zh-CN" dirty="0"/>
-              <a:t>skill:</a:t>
+              <a:t>skills</a:t>
             </a:r>
           </a:p>
           <a:p>
@@ -8502,7 +8550,15 @@
             </a:pPr>
             <a:r>
               <a:rPr lang="en-US" altLang="zh-CN" dirty="0"/>
-              <a:t>e.g.: abstraction (ADT), recursion</a:t>
+              <a:t>e.g., abstraction (ADT), polymorphism,</a:t>
+            </a:r>
+            <a:r>
+              <a:rPr lang="zh-CN" altLang="en-US" dirty="0"/>
+              <a:t> </a:t>
+            </a:r>
+            <a:r>
+              <a:rPr lang="en-US" altLang="zh-CN" dirty="0"/>
+              <a:t>recursion</a:t>
             </a:r>
           </a:p>
         </p:txBody>
@@ -8682,27 +8738,26 @@
           <a:p>
             <a:r>
               <a:rPr lang="en-US" altLang="zh-CN" dirty="0"/>
-              <a:t>Instructor: </a:t>
+              <a:t>Instructors: </a:t>
             </a:r>
           </a:p>
           <a:p>
             <a:pPr lvl="1"/>
             <a:r>
               <a:rPr lang="en-US" altLang="zh-CN" dirty="0"/>
-              <a:t>Hua, Baojian</a:t>
-            </a:r>
-          </a:p>
-          <a:p>
+              <a:t>Hua, </a:t>
+            </a:r>
+            <a:r>
+              <a:rPr lang="en-US" altLang="zh-CN" dirty="0" err="1"/>
+              <a:t>Baojian</a:t>
+            </a:r>
+            <a:endParaRPr lang="en-US" altLang="zh-CN" dirty="0"/>
+          </a:p>
+          <a:p>
+            <a:pPr lvl="1"/>
             <a:r>
               <a:rPr lang="en-US" altLang="zh-CN" dirty="0"/>
-              <a:t>TAs: </a:t>
-            </a:r>
-          </a:p>
-          <a:p>
-            <a:pPr lvl="1"/>
-            <a:r>
-              <a:rPr lang="en-US" altLang="zh-CN" dirty="0"/>
-              <a:t>Ma,</a:t>
+              <a:t>Fan,</a:t>
             </a:r>
             <a:r>
               <a:rPr lang="zh-CN" altLang="en-US" dirty="0"/>
@@ -8710,38 +8765,7 @@
             </a:r>
             <a:r>
               <a:rPr lang="en-US" altLang="zh-CN" dirty="0" err="1"/>
-              <a:t>Jingnan</a:t>
-            </a:r>
-            <a:endParaRPr lang="en-US" altLang="zh-CN" dirty="0"/>
-          </a:p>
-          <a:p>
-            <a:pPr lvl="1"/>
-            <a:r>
-              <a:rPr lang="en-US" altLang="zh-CN" dirty="0"/>
-              <a:t>Xu,</a:t>
-            </a:r>
-            <a:r>
-              <a:rPr lang="zh-CN" altLang="en-US" dirty="0"/>
-              <a:t> </a:t>
-            </a:r>
-            <a:r>
-              <a:rPr lang="en-US" altLang="zh-CN" dirty="0"/>
-              <a:t>Hao</a:t>
-            </a:r>
-          </a:p>
-          <a:p>
-            <a:pPr lvl="1"/>
-            <a:r>
-              <a:rPr lang="en-US" altLang="zh-CN" dirty="0"/>
-              <a:t>Zhao,</a:t>
-            </a:r>
-            <a:r>
-              <a:rPr lang="zh-CN" altLang="en-US" dirty="0"/>
-              <a:t> </a:t>
-            </a:r>
-            <a:r>
-              <a:rPr lang="en-US" altLang="zh-CN" dirty="0" err="1"/>
-              <a:t>Jiacheng</a:t>
+              <a:t>Qiliang</a:t>
             </a:r>
             <a:endParaRPr lang="en-US" altLang="zh-CN" dirty="0"/>
           </a:p>
